--- a/Анализ межклеточных взаимодействий_Вагабов.pptx
+++ b/Анализ межклеточных взаимодействий_Вагабов.pptx
@@ -14,16 +14,13 @@
     <p:sldId id="262" r:id="rId8"/>
     <p:sldId id="263" r:id="rId9"/>
     <p:sldId id="264" r:id="rId10"/>
-    <p:sldId id="266" r:id="rId11"/>
-    <p:sldId id="265" r:id="rId12"/>
-    <p:sldId id="267" r:id="rId13"/>
-    <p:sldId id="268" r:id="rId14"/>
-    <p:sldId id="269" r:id="rId15"/>
-    <p:sldId id="270" r:id="rId16"/>
-    <p:sldId id="271" r:id="rId17"/>
-    <p:sldId id="272" r:id="rId18"/>
-    <p:sldId id="273" r:id="rId19"/>
-    <p:sldId id="274" r:id="rId20"/>
+    <p:sldId id="269" r:id="rId11"/>
+    <p:sldId id="274" r:id="rId12"/>
+    <p:sldId id="266" r:id="rId13"/>
+    <p:sldId id="267" r:id="rId14"/>
+    <p:sldId id="268" r:id="rId15"/>
+    <p:sldId id="273" r:id="rId16"/>
+    <p:sldId id="275" r:id="rId17"/>
   </p:sldIdLst>
   <p:sldSz cx="12192000" cy="6858000"/>
   <p:notesSz cx="6858000" cy="9144000"/>
@@ -122,6 +119,11 @@
       </a:defRPr>
     </a:lvl9pPr>
   </p:defaultTextStyle>
+  <p:extLst>
+    <p:ext uri="{EFAFB233-063F-42B5-8137-9DF3F51BA10A}">
+      <p15:sldGuideLst xmlns:p15="http://schemas.microsoft.com/office/powerpoint/2012/main"/>
+    </p:ext>
+  </p:extLst>
 </p:presentation>
 </file>
 
@@ -272,7 +274,7 @@
           <a:p>
             <a:fld id="{18F90D31-A90F-4266-879F-879347F3BD9F}" type="datetimeFigureOut">
               <a:rPr lang="ru-RU" smtClean="0"/>
-              <a:t>29.01.2026</a:t>
+              <a:t>30.01.2026</a:t>
             </a:fld>
             <a:endParaRPr lang="ru-RU"/>
           </a:p>
@@ -470,7 +472,7 @@
           <a:p>
             <a:fld id="{18F90D31-A90F-4266-879F-879347F3BD9F}" type="datetimeFigureOut">
               <a:rPr lang="ru-RU" smtClean="0"/>
-              <a:t>29.01.2026</a:t>
+              <a:t>30.01.2026</a:t>
             </a:fld>
             <a:endParaRPr lang="ru-RU"/>
           </a:p>
@@ -678,7 +680,7 @@
           <a:p>
             <a:fld id="{18F90D31-A90F-4266-879F-879347F3BD9F}" type="datetimeFigureOut">
               <a:rPr lang="ru-RU" smtClean="0"/>
-              <a:t>29.01.2026</a:t>
+              <a:t>30.01.2026</a:t>
             </a:fld>
             <a:endParaRPr lang="ru-RU"/>
           </a:p>
@@ -876,7 +878,7 @@
           <a:p>
             <a:fld id="{18F90D31-A90F-4266-879F-879347F3BD9F}" type="datetimeFigureOut">
               <a:rPr lang="ru-RU" smtClean="0"/>
-              <a:t>29.01.2026</a:t>
+              <a:t>30.01.2026</a:t>
             </a:fld>
             <a:endParaRPr lang="ru-RU"/>
           </a:p>
@@ -1151,7 +1153,7 @@
           <a:p>
             <a:fld id="{18F90D31-A90F-4266-879F-879347F3BD9F}" type="datetimeFigureOut">
               <a:rPr lang="ru-RU" smtClean="0"/>
-              <a:t>29.01.2026</a:t>
+              <a:t>30.01.2026</a:t>
             </a:fld>
             <a:endParaRPr lang="ru-RU"/>
           </a:p>
@@ -1416,7 +1418,7 @@
           <a:p>
             <a:fld id="{18F90D31-A90F-4266-879F-879347F3BD9F}" type="datetimeFigureOut">
               <a:rPr lang="ru-RU" smtClean="0"/>
-              <a:t>29.01.2026</a:t>
+              <a:t>30.01.2026</a:t>
             </a:fld>
             <a:endParaRPr lang="ru-RU"/>
           </a:p>
@@ -1828,7 +1830,7 @@
           <a:p>
             <a:fld id="{18F90D31-A90F-4266-879F-879347F3BD9F}" type="datetimeFigureOut">
               <a:rPr lang="ru-RU" smtClean="0"/>
-              <a:t>29.01.2026</a:t>
+              <a:t>30.01.2026</a:t>
             </a:fld>
             <a:endParaRPr lang="ru-RU"/>
           </a:p>
@@ -1969,7 +1971,7 @@
           <a:p>
             <a:fld id="{18F90D31-A90F-4266-879F-879347F3BD9F}" type="datetimeFigureOut">
               <a:rPr lang="ru-RU" smtClean="0"/>
-              <a:t>29.01.2026</a:t>
+              <a:t>30.01.2026</a:t>
             </a:fld>
             <a:endParaRPr lang="ru-RU"/>
           </a:p>
@@ -2082,7 +2084,7 @@
           <a:p>
             <a:fld id="{18F90D31-A90F-4266-879F-879347F3BD9F}" type="datetimeFigureOut">
               <a:rPr lang="ru-RU" smtClean="0"/>
-              <a:t>29.01.2026</a:t>
+              <a:t>30.01.2026</a:t>
             </a:fld>
             <a:endParaRPr lang="ru-RU"/>
           </a:p>
@@ -2393,7 +2395,7 @@
           <a:p>
             <a:fld id="{18F90D31-A90F-4266-879F-879347F3BD9F}" type="datetimeFigureOut">
               <a:rPr lang="ru-RU" smtClean="0"/>
-              <a:t>29.01.2026</a:t>
+              <a:t>30.01.2026</a:t>
             </a:fld>
             <a:endParaRPr lang="ru-RU"/>
           </a:p>
@@ -2681,7 +2683,7 @@
           <a:p>
             <a:fld id="{18F90D31-A90F-4266-879F-879347F3BD9F}" type="datetimeFigureOut">
               <a:rPr lang="ru-RU" smtClean="0"/>
-              <a:t>29.01.2026</a:t>
+              <a:t>30.01.2026</a:t>
             </a:fld>
             <a:endParaRPr lang="ru-RU"/>
           </a:p>
@@ -2922,7 +2924,7 @@
           <a:p>
             <a:fld id="{18F90D31-A90F-4266-879F-879347F3BD9F}" type="datetimeFigureOut">
               <a:rPr lang="ru-RU" smtClean="0"/>
-              <a:t>29.01.2026</a:t>
+              <a:t>30.01.2026</a:t>
             </a:fld>
             <a:endParaRPr lang="ru-RU"/>
           </a:p>
@@ -3649,7 +3651,7 @@
         </p:nvSpPr>
         <p:spPr>
           <a:xfrm>
-            <a:off x="202096" y="70927"/>
+            <a:off x="448586" y="0"/>
             <a:ext cx="10515600" cy="1325563"/>
           </a:xfrm>
         </p:spPr>
@@ -3658,139 +3660,18 @@
           <a:lstStyle/>
           <a:p>
             <a:r>
-              <a:rPr lang="ru-RU" sz="4400"/>
-              <a:t>Результаты </a:t>
-            </a:r>
-            <a:r>
-              <a:rPr lang="en-US" sz="4400"/>
-              <a:t>CellPhoneDB</a:t>
-            </a:r>
-            <a:endParaRPr lang="ru-RU"/>
-          </a:p>
-        </p:txBody>
-      </p:sp>
-      <p:sp>
-        <p:nvSpPr>
-          <p:cNvPr id="3" name="Объект 2">
-            <a:extLst>
-              <a:ext uri="{FF2B5EF4-FFF2-40B4-BE49-F238E27FC236}">
-                <a16:creationId xmlns:a16="http://schemas.microsoft.com/office/drawing/2014/main" id="{7ED17B23-5838-4B18-9E5C-BA320B2AC141}"/>
-              </a:ext>
-            </a:extLst>
-          </p:cNvPr>
-          <p:cNvSpPr>
-            <a:spLocks noGrp="1"/>
-          </p:cNvSpPr>
-          <p:nvPr>
-            <p:ph idx="1"/>
-          </p:nvPr>
-        </p:nvSpPr>
-        <p:spPr>
-          <a:xfrm>
-            <a:off x="202096" y="1554348"/>
-            <a:ext cx="6771198" cy="4351338"/>
-          </a:xfrm>
-        </p:spPr>
-        <p:txBody>
-          <a:bodyPr>
-            <a:normAutofit/>
-          </a:bodyPr>
-          <a:lstStyle/>
-          <a:p>
-            <a:pPr marL="0" indent="0">
-              <a:buNone/>
-            </a:pPr>
-            <a:r>
-              <a:rPr lang="ru-RU" sz="1800"/>
-              <a:t> • Максимальная суммарная сигнализация связана с NK-клетками</a:t>
-            </a:r>
-          </a:p>
-          <a:p>
-            <a:pPr marL="0" indent="0">
-              <a:buNone/>
-            </a:pPr>
-            <a:r>
-              <a:rPr lang="ru-RU" sz="1800"/>
-              <a:t> • Сильные ребра:</a:t>
-            </a:r>
-          </a:p>
-          <a:p>
-            <a:pPr marL="457200" lvl="1" indent="0">
-              <a:buNone/>
-            </a:pPr>
-            <a:r>
-              <a:rPr lang="ru-RU" sz="1400"/>
-              <a:t> • NK → NK</a:t>
-            </a:r>
-          </a:p>
-          <a:p>
-            <a:pPr marL="457200" lvl="1" indent="0">
-              <a:buNone/>
-            </a:pPr>
-            <a:r>
-              <a:rPr lang="ru-RU" sz="1400"/>
-              <a:t> • Malignant_T → NK</a:t>
-            </a:r>
-          </a:p>
-          <a:p>
-            <a:pPr marL="457200" lvl="1" indent="0">
-              <a:buNone/>
-            </a:pPr>
-            <a:r>
-              <a:rPr lang="ru-RU" sz="1400"/>
-              <a:t> • T_non_malignant → NK</a:t>
-            </a:r>
-          </a:p>
-          <a:p>
-            <a:pPr marL="457200" lvl="1" indent="0">
-              <a:buNone/>
-            </a:pPr>
-            <a:r>
-              <a:rPr lang="ru-RU" sz="1400"/>
-              <a:t> • B → NK</a:t>
-            </a:r>
-          </a:p>
-          <a:p>
-            <a:pPr marL="0" indent="0">
-              <a:buNone/>
-            </a:pPr>
-            <a:r>
-              <a:rPr lang="ru-RU" sz="1800"/>
-              <a:t> • Самые слабые суммарные сигналы - взаимодействия, направленные на Malignant_T</a:t>
-            </a:r>
-          </a:p>
-          <a:p>
-            <a:pPr marL="0" indent="0">
-              <a:buNone/>
-            </a:pPr>
-            <a:endParaRPr lang="ru-RU" sz="1800"/>
-          </a:p>
-          <a:p>
-            <a:pPr marL="0" indent="0">
-              <a:buNone/>
-            </a:pPr>
-            <a:r>
-              <a:rPr lang="ru-RU" sz="1800"/>
-              <a:t>• CellPhoneDB выделяет NK-клетки как центральный узел коммуникаций</a:t>
-            </a:r>
-          </a:p>
-          <a:p>
-            <a:pPr marL="0" indent="0">
-              <a:buNone/>
-            </a:pPr>
-            <a:r>
-              <a:rPr lang="ru-RU" sz="1800"/>
-              <a:t> • Возможно это отражает высокую экспрессию универсальных иммунных LR (HLA–KLR, MIF–CD74 и др.)</a:t>
+              <a:rPr lang="ru-RU"/>
+              <a:t>Формирование кластеров</a:t>
             </a:r>
           </a:p>
         </p:txBody>
       </p:sp>
       <p:pic>
         <p:nvPicPr>
-          <p:cNvPr id="2050" name="Picture 2">
-            <a:extLst>
-              <a:ext uri="{FF2B5EF4-FFF2-40B4-BE49-F238E27FC236}">
-                <a16:creationId xmlns:a16="http://schemas.microsoft.com/office/drawing/2014/main" id="{EA70036C-EAEE-4D22-B64D-5388AD980EE2}"/>
+          <p:cNvPr id="5124" name="Picture 4">
+            <a:extLst>
+              <a:ext uri="{FF2B5EF4-FFF2-40B4-BE49-F238E27FC236}">
+                <a16:creationId xmlns:a16="http://schemas.microsoft.com/office/drawing/2014/main" id="{CE5DAE4A-F6EB-4894-B8F5-82B22E1F9DDA}"/>
               </a:ext>
             </a:extLst>
           </p:cNvPr>
@@ -3814,8 +3695,8 @@
         </p:blipFill>
         <p:spPr bwMode="auto">
           <a:xfrm>
-            <a:off x="7756425" y="3603139"/>
-            <a:ext cx="3980945" cy="3254861"/>
+            <a:off x="2852373" y="1208598"/>
+            <a:ext cx="6487253" cy="5005346"/>
           </a:xfrm>
           <a:prstGeom prst="rect">
             <a:avLst/>
@@ -3832,12 +3713,75 @@
           </a:extLst>
         </p:spPr>
       </p:pic>
+    </p:spTree>
+    <p:extLst>
+      <p:ext uri="{BB962C8B-B14F-4D97-AF65-F5344CB8AC3E}">
+        <p14:creationId xmlns:p14="http://schemas.microsoft.com/office/powerpoint/2010/main" val="478504663"/>
+      </p:ext>
+    </p:extLst>
+  </p:cSld>
+  <p:clrMapOvr>
+    <a:masterClrMapping/>
+  </p:clrMapOvr>
+</p:sld>
+</file>
+
+<file path=ppt/slides/slide11.xml><?xml version="1.0" encoding="utf-8"?>
+<p:sld xmlns:a="http://schemas.openxmlformats.org/drawingml/2006/main" xmlns:r="http://schemas.openxmlformats.org/officeDocument/2006/relationships" xmlns:p="http://schemas.openxmlformats.org/presentationml/2006/main">
+  <p:cSld>
+    <p:spTree>
+      <p:nvGrpSpPr>
+        <p:cNvPr id="1" name=""/>
+        <p:cNvGrpSpPr/>
+        <p:nvPr/>
+      </p:nvGrpSpPr>
+      <p:grpSpPr>
+        <a:xfrm>
+          <a:off x="0" y="0"/>
+          <a:ext cx="0" cy="0"/>
+          <a:chOff x="0" y="0"/>
+          <a:chExt cx="0" cy="0"/>
+        </a:xfrm>
+      </p:grpSpPr>
+      <p:sp>
+        <p:nvSpPr>
+          <p:cNvPr id="2" name="Заголовок 1">
+            <a:extLst>
+              <a:ext uri="{FF2B5EF4-FFF2-40B4-BE49-F238E27FC236}">
+                <a16:creationId xmlns:a16="http://schemas.microsoft.com/office/drawing/2014/main" id="{7BB0466B-6BCE-4680-99C9-9E9DA2781856}"/>
+              </a:ext>
+            </a:extLst>
+          </p:cNvPr>
+          <p:cNvSpPr>
+            <a:spLocks noGrp="1"/>
+          </p:cNvSpPr>
+          <p:nvPr>
+            <p:ph type="title"/>
+          </p:nvPr>
+        </p:nvSpPr>
+        <p:spPr>
+          <a:xfrm>
+            <a:off x="448586" y="0"/>
+            <a:ext cx="10515600" cy="1325563"/>
+          </a:xfrm>
+        </p:spPr>
+        <p:txBody>
+          <a:bodyPr/>
+          <a:lstStyle/>
+          <a:p>
+            <a:r>
+              <a:rPr lang="ru-RU"/>
+              <a:t>Финальная аннотация</a:t>
+            </a:r>
+          </a:p>
+        </p:txBody>
+      </p:sp>
       <p:pic>
         <p:nvPicPr>
-          <p:cNvPr id="3074" name="Picture 2">
-            <a:extLst>
-              <a:ext uri="{FF2B5EF4-FFF2-40B4-BE49-F238E27FC236}">
-                <a16:creationId xmlns:a16="http://schemas.microsoft.com/office/drawing/2014/main" id="{E5953B3A-759B-45BC-B8E4-2691A08EEC5E}"/>
+          <p:cNvPr id="5122" name="Picture 2">
+            <a:extLst>
+              <a:ext uri="{FF2B5EF4-FFF2-40B4-BE49-F238E27FC236}">
+                <a16:creationId xmlns:a16="http://schemas.microsoft.com/office/drawing/2014/main" id="{624536F8-285D-490F-BC2C-91F481E450A4}"/>
               </a:ext>
             </a:extLst>
           </p:cNvPr>
@@ -3847,7 +3791,7 @@
           <p:nvPr/>
         </p:nvPicPr>
         <p:blipFill>
-          <a:blip r:embed="rId3">
+          <a:blip r:embed="rId2">
             <a:extLst>
               <a:ext uri="{28A0092B-C50C-407E-A947-70E740481C1C}">
                 <a14:useLocalDpi xmlns:a14="http://schemas.microsoft.com/office/drawing/2010/main" val="0"/>
@@ -3861,8 +3805,241 @@
         </p:blipFill>
         <p:spPr bwMode="auto">
           <a:xfrm>
-            <a:off x="7702177" y="348277"/>
-            <a:ext cx="4089442" cy="3254862"/>
+            <a:off x="0" y="1149350"/>
+            <a:ext cx="12192000" cy="4557713"/>
+          </a:xfrm>
+          <a:prstGeom prst="rect">
+            <a:avLst/>
+          </a:prstGeom>
+          <a:noFill/>
+          <a:extLst>
+            <a:ext uri="{909E8E84-426E-40DD-AFC4-6F175D3DCCD1}">
+              <a14:hiddenFill xmlns:a14="http://schemas.microsoft.com/office/drawing/2010/main">
+                <a:solidFill>
+                  <a:srgbClr val="FFFFFF"/>
+                </a:solidFill>
+              </a14:hiddenFill>
+            </a:ext>
+          </a:extLst>
+        </p:spPr>
+      </p:pic>
+    </p:spTree>
+    <p:extLst>
+      <p:ext uri="{BB962C8B-B14F-4D97-AF65-F5344CB8AC3E}">
+        <p14:creationId xmlns:p14="http://schemas.microsoft.com/office/powerpoint/2010/main" val="4106150645"/>
+      </p:ext>
+    </p:extLst>
+  </p:cSld>
+  <p:clrMapOvr>
+    <a:masterClrMapping/>
+  </p:clrMapOvr>
+</p:sld>
+</file>
+
+<file path=ppt/slides/slide12.xml><?xml version="1.0" encoding="utf-8"?>
+<p:sld xmlns:a="http://schemas.openxmlformats.org/drawingml/2006/main" xmlns:r="http://schemas.openxmlformats.org/officeDocument/2006/relationships" xmlns:p="http://schemas.openxmlformats.org/presentationml/2006/main">
+  <p:cSld>
+    <p:spTree>
+      <p:nvGrpSpPr>
+        <p:cNvPr id="1" name=""/>
+        <p:cNvGrpSpPr/>
+        <p:nvPr/>
+      </p:nvGrpSpPr>
+      <p:grpSpPr>
+        <a:xfrm>
+          <a:off x="0" y="0"/>
+          <a:ext cx="0" cy="0"/>
+          <a:chOff x="0" y="0"/>
+          <a:chExt cx="0" cy="0"/>
+        </a:xfrm>
+      </p:grpSpPr>
+      <p:sp>
+        <p:nvSpPr>
+          <p:cNvPr id="2" name="Заголовок 1">
+            <a:extLst>
+              <a:ext uri="{FF2B5EF4-FFF2-40B4-BE49-F238E27FC236}">
+                <a16:creationId xmlns:a16="http://schemas.microsoft.com/office/drawing/2014/main" id="{7BB0466B-6BCE-4680-99C9-9E9DA2781856}"/>
+              </a:ext>
+            </a:extLst>
+          </p:cNvPr>
+          <p:cNvSpPr>
+            <a:spLocks noGrp="1"/>
+          </p:cNvSpPr>
+          <p:nvPr>
+            <p:ph type="title"/>
+          </p:nvPr>
+        </p:nvSpPr>
+        <p:spPr>
+          <a:xfrm>
+            <a:off x="202096" y="70927"/>
+            <a:ext cx="10515600" cy="1325563"/>
+          </a:xfrm>
+        </p:spPr>
+        <p:txBody>
+          <a:bodyPr/>
+          <a:lstStyle/>
+          <a:p>
+            <a:r>
+              <a:rPr lang="ru-RU" sz="4400"/>
+              <a:t>Результаты </a:t>
+            </a:r>
+            <a:r>
+              <a:rPr lang="en-US" sz="4400"/>
+              <a:t>CellPhoneDB</a:t>
+            </a:r>
+            <a:endParaRPr lang="ru-RU"/>
+          </a:p>
+        </p:txBody>
+      </p:sp>
+      <p:sp>
+        <p:nvSpPr>
+          <p:cNvPr id="3" name="Объект 2">
+            <a:extLst>
+              <a:ext uri="{FF2B5EF4-FFF2-40B4-BE49-F238E27FC236}">
+                <a16:creationId xmlns:a16="http://schemas.microsoft.com/office/drawing/2014/main" id="{7ED17B23-5838-4B18-9E5C-BA320B2AC141}"/>
+              </a:ext>
+            </a:extLst>
+          </p:cNvPr>
+          <p:cNvSpPr>
+            <a:spLocks noGrp="1"/>
+          </p:cNvSpPr>
+          <p:nvPr>
+            <p:ph idx="1"/>
+          </p:nvPr>
+        </p:nvSpPr>
+        <p:spPr>
+          <a:xfrm>
+            <a:off x="202096" y="1554348"/>
+            <a:ext cx="6771198" cy="4351338"/>
+          </a:xfrm>
+        </p:spPr>
+        <p:txBody>
+          <a:bodyPr>
+            <a:normAutofit/>
+          </a:bodyPr>
+          <a:lstStyle/>
+          <a:p>
+            <a:pPr marL="0" indent="0">
+              <a:buNone/>
+            </a:pPr>
+            <a:r>
+              <a:rPr lang="ru-RU" sz="1800"/>
+              <a:t> • Максимальная суммарная сигнализация связана с NK-клетками</a:t>
+            </a:r>
+          </a:p>
+          <a:p>
+            <a:pPr marL="0" indent="0">
+              <a:buNone/>
+            </a:pPr>
+            <a:r>
+              <a:rPr lang="ru-RU" sz="1800"/>
+              <a:t> • Сильные ребра:</a:t>
+            </a:r>
+          </a:p>
+          <a:p>
+            <a:pPr marL="457200" lvl="1" indent="0">
+              <a:buNone/>
+            </a:pPr>
+            <a:r>
+              <a:rPr lang="ru-RU" sz="1400"/>
+              <a:t> • NK → NK</a:t>
+            </a:r>
+          </a:p>
+          <a:p>
+            <a:pPr marL="457200" lvl="1" indent="0">
+              <a:buNone/>
+            </a:pPr>
+            <a:r>
+              <a:rPr lang="ru-RU" sz="1400"/>
+              <a:t> • </a:t>
+            </a:r>
+            <a:r>
+              <a:rPr lang="en-US" sz="1400"/>
+              <a:t>T-ALL</a:t>
+            </a:r>
+            <a:r>
+              <a:rPr lang="ru-RU" sz="1400"/>
+              <a:t> → NK</a:t>
+            </a:r>
+          </a:p>
+          <a:p>
+            <a:pPr marL="457200" lvl="1" indent="0">
+              <a:buNone/>
+            </a:pPr>
+            <a:r>
+              <a:rPr lang="ru-RU" sz="1400"/>
+              <a:t> • </a:t>
+            </a:r>
+            <a:r>
+              <a:rPr lang="en-US" sz="1400"/>
+              <a:t>CD4 T</a:t>
+            </a:r>
+            <a:r>
+              <a:rPr lang="ru-RU" sz="1400"/>
+              <a:t> → NK</a:t>
+            </a:r>
+          </a:p>
+          <a:p>
+            <a:pPr marL="457200" lvl="1" indent="0">
+              <a:buNone/>
+            </a:pPr>
+            <a:r>
+              <a:rPr lang="ru-RU" sz="1400"/>
+              <a:t> • B → NK</a:t>
+            </a:r>
+            <a:endParaRPr lang="ru-RU" sz="1800"/>
+          </a:p>
+          <a:p>
+            <a:pPr marL="0" indent="0">
+              <a:buNone/>
+            </a:pPr>
+            <a:r>
+              <a:rPr lang="ru-RU" sz="1800"/>
+              <a:t>• CellPhoneDB выделяет NK-клетки как центральный узел коммуникаций</a:t>
+            </a:r>
+          </a:p>
+          <a:p>
+            <a:pPr marL="0" indent="0">
+              <a:buNone/>
+            </a:pPr>
+            <a:r>
+              <a:rPr lang="ru-RU" sz="1800"/>
+              <a:t> • Возможно это отражает высокую экспрессию универсальных иммунных LR (HLA–KLR, MIF–CD74 и др.)</a:t>
+            </a:r>
+          </a:p>
+        </p:txBody>
+      </p:sp>
+      <p:pic>
+        <p:nvPicPr>
+          <p:cNvPr id="1026" name="Picture 2">
+            <a:extLst>
+              <a:ext uri="{FF2B5EF4-FFF2-40B4-BE49-F238E27FC236}">
+                <a16:creationId xmlns:a16="http://schemas.microsoft.com/office/drawing/2014/main" id="{91D9C92C-D905-498C-A421-1E85789C3766}"/>
+              </a:ext>
+            </a:extLst>
+          </p:cNvPr>
+          <p:cNvPicPr>
+            <a:picLocks noChangeAspect="1" noChangeArrowheads="1"/>
+          </p:cNvPicPr>
+          <p:nvPr/>
+        </p:nvPicPr>
+        <p:blipFill>
+          <a:blip r:embed="rId2">
+            <a:extLst>
+              <a:ext uri="{28A0092B-C50C-407E-A947-70E740481C1C}">
+                <a14:useLocalDpi xmlns:a14="http://schemas.microsoft.com/office/drawing/2010/main" val="0"/>
+              </a:ext>
+            </a:extLst>
+          </a:blip>
+          <a:srcRect/>
+          <a:stretch>
+            <a:fillRect/>
+          </a:stretch>
+        </p:blipFill>
+        <p:spPr bwMode="auto">
+          <a:xfrm>
+            <a:off x="6197964" y="986107"/>
+            <a:ext cx="5533219" cy="4671391"/>
           </a:xfrm>
           <a:prstGeom prst="rect">
             <a:avLst/>
@@ -3892,7 +4069,7 @@
 </p:sld>
 </file>
 
-<file path=ppt/slides/slide11.xml><?xml version="1.0" encoding="utf-8"?>
+<file path=ppt/slides/slide13.xml><?xml version="1.0" encoding="utf-8"?>
 <p:sld xmlns:a="http://schemas.openxmlformats.org/drawingml/2006/main" xmlns:r="http://schemas.openxmlformats.org/officeDocument/2006/relationships" xmlns:p="http://schemas.openxmlformats.org/presentationml/2006/main">
   <p:cSld>
     <p:spTree>
@@ -3925,42 +4102,137 @@
             <p:ph type="title"/>
           </p:nvPr>
         </p:nvSpPr>
+        <p:spPr/>
+        <p:txBody>
+          <a:bodyPr/>
+          <a:lstStyle/>
+          <a:p>
+            <a:r>
+              <a:rPr lang="ru-RU"/>
+              <a:t>Результаты </a:t>
+            </a:r>
+            <a:r>
+              <a:rPr lang="en-US" sz="4400"/>
+              <a:t>Geometric mean</a:t>
+            </a:r>
+            <a:endParaRPr lang="ru-RU"/>
+          </a:p>
+        </p:txBody>
+      </p:sp>
+      <p:sp>
+        <p:nvSpPr>
+          <p:cNvPr id="3" name="Объект 2">
+            <a:extLst>
+              <a:ext uri="{FF2B5EF4-FFF2-40B4-BE49-F238E27FC236}">
+                <a16:creationId xmlns:a16="http://schemas.microsoft.com/office/drawing/2014/main" id="{7ED17B23-5838-4B18-9E5C-BA320B2AC141}"/>
+              </a:ext>
+            </a:extLst>
+          </p:cNvPr>
+          <p:cNvSpPr>
+            <a:spLocks noGrp="1"/>
+          </p:cNvSpPr>
+          <p:nvPr>
+            <p:ph idx="1"/>
+          </p:nvPr>
+        </p:nvSpPr>
         <p:spPr>
           <a:xfrm>
-            <a:off x="202096" y="70927"/>
-            <a:ext cx="10515600" cy="1325563"/>
+            <a:off x="6585172" y="1852653"/>
+            <a:ext cx="4664102" cy="4351338"/>
           </a:xfrm>
         </p:spPr>
         <p:txBody>
-          <a:bodyPr/>
-          <a:lstStyle/>
-          <a:p>
-            <a:r>
-              <a:rPr lang="ru-RU" sz="4400"/>
-              <a:t>Сравнение </a:t>
-            </a:r>
-            <a:r>
-              <a:rPr lang="en-US" sz="4400"/>
-              <a:t>geometric mean </a:t>
-            </a:r>
-            <a:r>
-              <a:rPr lang="ru-RU" sz="4400"/>
-              <a:t>и</a:t>
-            </a:r>
-            <a:r>
-              <a:rPr lang="en-US" sz="4400"/>
-              <a:t> CellChat</a:t>
-            </a:r>
-            <a:endParaRPr lang="ru-RU"/>
+          <a:bodyPr>
+            <a:normAutofit fontScale="92500" lnSpcReduction="10000"/>
+          </a:bodyPr>
+          <a:lstStyle/>
+          <a:p>
+            <a:pPr marL="0" indent="0">
+              <a:buNone/>
+            </a:pPr>
+            <a:r>
+              <a:rPr lang="ru-RU" sz="2000"/>
+              <a:t>Топ по </a:t>
+            </a:r>
+            <a:r>
+              <a:rPr lang="en-US" sz="2000"/>
+              <a:t>gmean:</a:t>
+            </a:r>
+          </a:p>
+          <a:p>
+            <a:r>
+              <a:rPr lang="en-US" sz="2000"/>
+              <a:t>NK → NK = 19.34 (</a:t>
+            </a:r>
+            <a:r>
+              <a:rPr lang="ru-RU" sz="2000"/>
+              <a:t>самое большое)</a:t>
+            </a:r>
+          </a:p>
+          <a:p>
+            <a:endParaRPr lang="ru-RU" sz="2000"/>
+          </a:p>
+          <a:p>
+            <a:r>
+              <a:rPr lang="en-US" sz="2000"/>
+              <a:t>NK → B = 11.12</a:t>
+            </a:r>
+          </a:p>
+          <a:p>
+            <a:endParaRPr lang="en-US" sz="2000"/>
+          </a:p>
+          <a:p>
+            <a:r>
+              <a:rPr lang="en-US" sz="2000"/>
+              <a:t>NK → Other = 10.02</a:t>
+            </a:r>
+          </a:p>
+          <a:p>
+            <a:endParaRPr lang="en-US" sz="2000"/>
+          </a:p>
+          <a:p>
+            <a:r>
+              <a:rPr lang="en-US" sz="2000"/>
+              <a:t>NK → CD4T = 8.09</a:t>
+            </a:r>
+          </a:p>
+          <a:p>
+            <a:endParaRPr lang="en-US" sz="2000"/>
+          </a:p>
+          <a:p>
+            <a:r>
+              <a:rPr lang="en-US" sz="2000"/>
+              <a:t>NK → T-ALL = 8.92</a:t>
+            </a:r>
+          </a:p>
+          <a:p>
+            <a:pPr marL="0" indent="0">
+              <a:buNone/>
+            </a:pPr>
+            <a:endParaRPr lang="en-US" sz="2000"/>
+          </a:p>
+          <a:p>
+            <a:pPr marL="0" indent="0">
+              <a:buNone/>
+            </a:pPr>
+            <a:r>
+              <a:rPr lang="en-US" sz="2000"/>
+              <a:t> NK </a:t>
+            </a:r>
+            <a:r>
+              <a:rPr lang="ru-RU" sz="2000"/>
+              <a:t>остаются центром коммуникации</a:t>
+            </a:r>
+            <a:endParaRPr lang="ru-RU" sz="1800"/>
           </a:p>
         </p:txBody>
       </p:sp>
       <p:pic>
         <p:nvPicPr>
-          <p:cNvPr id="2052" name="Picture 4">
-            <a:extLst>
-              <a:ext uri="{FF2B5EF4-FFF2-40B4-BE49-F238E27FC236}">
-                <a16:creationId xmlns:a16="http://schemas.microsoft.com/office/drawing/2014/main" id="{61FE8315-FA9F-4949-8066-2E0E33BF52EA}"/>
+          <p:cNvPr id="2050" name="Picture 2">
+            <a:extLst>
+              <a:ext uri="{FF2B5EF4-FFF2-40B4-BE49-F238E27FC236}">
+                <a16:creationId xmlns:a16="http://schemas.microsoft.com/office/drawing/2014/main" id="{9C7DF495-37E6-44EF-BDD2-933AEAD9DAC0}"/>
               </a:ext>
             </a:extLst>
           </p:cNvPr>
@@ -3984,485 +4256,8 @@
         </p:blipFill>
         <p:spPr bwMode="auto">
           <a:xfrm>
-            <a:off x="3092933" y="1571625"/>
-            <a:ext cx="4733925" cy="3714750"/>
-          </a:xfrm>
-          <a:prstGeom prst="rect">
-            <a:avLst/>
-          </a:prstGeom>
-          <a:noFill/>
-          <a:extLst>
-            <a:ext uri="{909E8E84-426E-40DD-AFC4-6F175D3DCCD1}">
-              <a14:hiddenFill xmlns:a14="http://schemas.microsoft.com/office/drawing/2010/main">
-                <a:solidFill>
-                  <a:srgbClr val="FFFFFF"/>
-                </a:solidFill>
-              </a14:hiddenFill>
-            </a:ext>
-          </a:extLst>
-        </p:spPr>
-      </p:pic>
-      <p:sp>
-        <p:nvSpPr>
-          <p:cNvPr id="6" name="Объект 2">
-            <a:extLst>
-              <a:ext uri="{FF2B5EF4-FFF2-40B4-BE49-F238E27FC236}">
-                <a16:creationId xmlns:a16="http://schemas.microsoft.com/office/drawing/2014/main" id="{4EDB1F53-79FD-475B-A335-D76A5498CACF}"/>
-              </a:ext>
-            </a:extLst>
-          </p:cNvPr>
-          <p:cNvSpPr txBox="1">
-            <a:spLocks/>
-          </p:cNvSpPr>
-          <p:nvPr/>
-        </p:nvSpPr>
-        <p:spPr>
-          <a:xfrm>
-            <a:off x="4273495" y="5461510"/>
-            <a:ext cx="3645010" cy="1187526"/>
-          </a:xfrm>
-          <a:prstGeom prst="rect">
-            <a:avLst/>
-          </a:prstGeom>
-        </p:spPr>
-        <p:txBody>
-          <a:bodyPr vert="horz" lIns="91440" tIns="45720" rIns="91440" bIns="45720" rtlCol="0">
-            <a:normAutofit/>
-          </a:bodyPr>
-          <a:lstStyle>
-            <a:lvl1pPr marL="228600" indent="-228600" algn="l" defTabSz="914400" rtl="0" eaLnBrk="1" latinLnBrk="0" hangingPunct="1">
-              <a:lnSpc>
-                <a:spcPct val="90000"/>
-              </a:lnSpc>
-              <a:spcBef>
-                <a:spcPts val="1000"/>
-              </a:spcBef>
-              <a:buFont typeface="Arial" panose="020B0604020202020204" pitchFamily="34" charset="0"/>
-              <a:buChar char="•"/>
-              <a:defRPr sz="2800" kern="1200">
-                <a:solidFill>
-                  <a:schemeClr val="tx1"/>
-                </a:solidFill>
-                <a:latin typeface="+mn-lt"/>
-                <a:ea typeface="+mn-ea"/>
-                <a:cs typeface="+mn-cs"/>
-              </a:defRPr>
-            </a:lvl1pPr>
-            <a:lvl2pPr marL="685800" indent="-228600" algn="l" defTabSz="914400" rtl="0" eaLnBrk="1" latinLnBrk="0" hangingPunct="1">
-              <a:lnSpc>
-                <a:spcPct val="90000"/>
-              </a:lnSpc>
-              <a:spcBef>
-                <a:spcPts val="500"/>
-              </a:spcBef>
-              <a:buFont typeface="Arial" panose="020B0604020202020204" pitchFamily="34" charset="0"/>
-              <a:buChar char="•"/>
-              <a:defRPr sz="2400" kern="1200">
-                <a:solidFill>
-                  <a:schemeClr val="tx1"/>
-                </a:solidFill>
-                <a:latin typeface="+mn-lt"/>
-                <a:ea typeface="+mn-ea"/>
-                <a:cs typeface="+mn-cs"/>
-              </a:defRPr>
-            </a:lvl2pPr>
-            <a:lvl3pPr marL="1143000" indent="-228600" algn="l" defTabSz="914400" rtl="0" eaLnBrk="1" latinLnBrk="0" hangingPunct="1">
-              <a:lnSpc>
-                <a:spcPct val="90000"/>
-              </a:lnSpc>
-              <a:spcBef>
-                <a:spcPts val="500"/>
-              </a:spcBef>
-              <a:buFont typeface="Arial" panose="020B0604020202020204" pitchFamily="34" charset="0"/>
-              <a:buChar char="•"/>
-              <a:defRPr sz="2000" kern="1200">
-                <a:solidFill>
-                  <a:schemeClr val="tx1"/>
-                </a:solidFill>
-                <a:latin typeface="+mn-lt"/>
-                <a:ea typeface="+mn-ea"/>
-                <a:cs typeface="+mn-cs"/>
-              </a:defRPr>
-            </a:lvl3pPr>
-            <a:lvl4pPr marL="1600200" indent="-228600" algn="l" defTabSz="914400" rtl="0" eaLnBrk="1" latinLnBrk="0" hangingPunct="1">
-              <a:lnSpc>
-                <a:spcPct val="90000"/>
-              </a:lnSpc>
-              <a:spcBef>
-                <a:spcPts val="500"/>
-              </a:spcBef>
-              <a:buFont typeface="Arial" panose="020B0604020202020204" pitchFamily="34" charset="0"/>
-              <a:buChar char="•"/>
-              <a:defRPr sz="1800" kern="1200">
-                <a:solidFill>
-                  <a:schemeClr val="tx1"/>
-                </a:solidFill>
-                <a:latin typeface="+mn-lt"/>
-                <a:ea typeface="+mn-ea"/>
-                <a:cs typeface="+mn-cs"/>
-              </a:defRPr>
-            </a:lvl4pPr>
-            <a:lvl5pPr marL="2057400" indent="-228600" algn="l" defTabSz="914400" rtl="0" eaLnBrk="1" latinLnBrk="0" hangingPunct="1">
-              <a:lnSpc>
-                <a:spcPct val="90000"/>
-              </a:lnSpc>
-              <a:spcBef>
-                <a:spcPts val="500"/>
-              </a:spcBef>
-              <a:buFont typeface="Arial" panose="020B0604020202020204" pitchFamily="34" charset="0"/>
-              <a:buChar char="•"/>
-              <a:defRPr sz="1800" kern="1200">
-                <a:solidFill>
-                  <a:schemeClr val="tx1"/>
-                </a:solidFill>
-                <a:latin typeface="+mn-lt"/>
-                <a:ea typeface="+mn-ea"/>
-                <a:cs typeface="+mn-cs"/>
-              </a:defRPr>
-            </a:lvl5pPr>
-            <a:lvl6pPr marL="2514600" indent="-228600" algn="l" defTabSz="914400" rtl="0" eaLnBrk="1" latinLnBrk="0" hangingPunct="1">
-              <a:lnSpc>
-                <a:spcPct val="90000"/>
-              </a:lnSpc>
-              <a:spcBef>
-                <a:spcPts val="500"/>
-              </a:spcBef>
-              <a:buFont typeface="Arial" panose="020B0604020202020204" pitchFamily="34" charset="0"/>
-              <a:buChar char="•"/>
-              <a:defRPr sz="1800" kern="1200">
-                <a:solidFill>
-                  <a:schemeClr val="tx1"/>
-                </a:solidFill>
-                <a:latin typeface="+mn-lt"/>
-                <a:ea typeface="+mn-ea"/>
-                <a:cs typeface="+mn-cs"/>
-              </a:defRPr>
-            </a:lvl6pPr>
-            <a:lvl7pPr marL="2971800" indent="-228600" algn="l" defTabSz="914400" rtl="0" eaLnBrk="1" latinLnBrk="0" hangingPunct="1">
-              <a:lnSpc>
-                <a:spcPct val="90000"/>
-              </a:lnSpc>
-              <a:spcBef>
-                <a:spcPts val="500"/>
-              </a:spcBef>
-              <a:buFont typeface="Arial" panose="020B0604020202020204" pitchFamily="34" charset="0"/>
-              <a:buChar char="•"/>
-              <a:defRPr sz="1800" kern="1200">
-                <a:solidFill>
-                  <a:schemeClr val="tx1"/>
-                </a:solidFill>
-                <a:latin typeface="+mn-lt"/>
-                <a:ea typeface="+mn-ea"/>
-                <a:cs typeface="+mn-cs"/>
-              </a:defRPr>
-            </a:lvl7pPr>
-            <a:lvl8pPr marL="3429000" indent="-228600" algn="l" defTabSz="914400" rtl="0" eaLnBrk="1" latinLnBrk="0" hangingPunct="1">
-              <a:lnSpc>
-                <a:spcPct val="90000"/>
-              </a:lnSpc>
-              <a:spcBef>
-                <a:spcPts val="500"/>
-              </a:spcBef>
-              <a:buFont typeface="Arial" panose="020B0604020202020204" pitchFamily="34" charset="0"/>
-              <a:buChar char="•"/>
-              <a:defRPr sz="1800" kern="1200">
-                <a:solidFill>
-                  <a:schemeClr val="tx1"/>
-                </a:solidFill>
-                <a:latin typeface="+mn-lt"/>
-                <a:ea typeface="+mn-ea"/>
-                <a:cs typeface="+mn-cs"/>
-              </a:defRPr>
-            </a:lvl8pPr>
-            <a:lvl9pPr marL="3886200" indent="-228600" algn="l" defTabSz="914400" rtl="0" eaLnBrk="1" latinLnBrk="0" hangingPunct="1">
-              <a:lnSpc>
-                <a:spcPct val="90000"/>
-              </a:lnSpc>
-              <a:spcBef>
-                <a:spcPts val="500"/>
-              </a:spcBef>
-              <a:buFont typeface="Arial" panose="020B0604020202020204" pitchFamily="34" charset="0"/>
-              <a:buChar char="•"/>
-              <a:defRPr sz="1800" kern="1200">
-                <a:solidFill>
-                  <a:schemeClr val="tx1"/>
-                </a:solidFill>
-                <a:latin typeface="+mn-lt"/>
-                <a:ea typeface="+mn-ea"/>
-                <a:cs typeface="+mn-cs"/>
-              </a:defRPr>
-            </a:lvl9pPr>
-          </a:lstStyle>
-          <a:p>
-            <a:pPr marL="0" indent="0">
-              <a:buFont typeface="Arial" panose="020B0604020202020204" pitchFamily="34" charset="0"/>
-              <a:buNone/>
-            </a:pPr>
-            <a:r>
-              <a:rPr lang="ru-RU" sz="1400"/>
-              <a:t> - </a:t>
-            </a:r>
-            <a:r>
-              <a:rPr lang="en-US" sz="1400"/>
-              <a:t>log2FC-filtered: gmean = 112, cellchat = 30, intersection = 30</a:t>
-            </a:r>
-          </a:p>
-          <a:p>
-            <a:pPr marL="0" indent="0">
-              <a:buFont typeface="Arial" panose="020B0604020202020204" pitchFamily="34" charset="0"/>
-              <a:buNone/>
-            </a:pPr>
-            <a:r>
-              <a:rPr lang="en-US" sz="1400"/>
-              <a:t> </a:t>
-            </a:r>
-            <a:r>
-              <a:rPr lang="ru-RU" sz="1400"/>
-              <a:t>-</a:t>
-            </a:r>
-            <a:r>
-              <a:rPr lang="en-US" sz="1400"/>
-              <a:t> Spearman ρ = 0.893</a:t>
-            </a:r>
-          </a:p>
-          <a:p>
-            <a:pPr marL="0" indent="0">
-              <a:buFont typeface="Arial" panose="020B0604020202020204" pitchFamily="34" charset="0"/>
-              <a:buNone/>
-            </a:pPr>
-            <a:r>
-              <a:rPr lang="en-US" sz="1400"/>
-              <a:t> </a:t>
-            </a:r>
-            <a:r>
-              <a:rPr lang="ru-RU" sz="1400"/>
-              <a:t>-</a:t>
-            </a:r>
-            <a:r>
-              <a:rPr lang="en-US" sz="1400"/>
-              <a:t> Top15 overlap = 14/15</a:t>
-            </a:r>
-            <a:endParaRPr lang="ru-RU" sz="1400"/>
-          </a:p>
-        </p:txBody>
-      </p:sp>
-    </p:spTree>
-    <p:extLst>
-      <p:ext uri="{BB962C8B-B14F-4D97-AF65-F5344CB8AC3E}">
-        <p14:creationId xmlns:p14="http://schemas.microsoft.com/office/powerpoint/2010/main" val="3327847014"/>
-      </p:ext>
-    </p:extLst>
-  </p:cSld>
-  <p:clrMapOvr>
-    <a:masterClrMapping/>
-  </p:clrMapOvr>
-</p:sld>
-</file>
-
-<file path=ppt/slides/slide12.xml><?xml version="1.0" encoding="utf-8"?>
-<p:sld xmlns:a="http://schemas.openxmlformats.org/drawingml/2006/main" xmlns:r="http://schemas.openxmlformats.org/officeDocument/2006/relationships" xmlns:p="http://schemas.openxmlformats.org/presentationml/2006/main">
-  <p:cSld>
-    <p:spTree>
-      <p:nvGrpSpPr>
-        <p:cNvPr id="1" name=""/>
-        <p:cNvGrpSpPr/>
-        <p:nvPr/>
-      </p:nvGrpSpPr>
-      <p:grpSpPr>
-        <a:xfrm>
-          <a:off x="0" y="0"/>
-          <a:ext cx="0" cy="0"/>
-          <a:chOff x="0" y="0"/>
-          <a:chExt cx="0" cy="0"/>
-        </a:xfrm>
-      </p:grpSpPr>
-      <p:sp>
-        <p:nvSpPr>
-          <p:cNvPr id="2" name="Заголовок 1">
-            <a:extLst>
-              <a:ext uri="{FF2B5EF4-FFF2-40B4-BE49-F238E27FC236}">
-                <a16:creationId xmlns:a16="http://schemas.microsoft.com/office/drawing/2014/main" id="{7BB0466B-6BCE-4680-99C9-9E9DA2781856}"/>
-              </a:ext>
-            </a:extLst>
-          </p:cNvPr>
-          <p:cNvSpPr>
-            <a:spLocks noGrp="1"/>
-          </p:cNvSpPr>
-          <p:nvPr>
-            <p:ph type="title"/>
-          </p:nvPr>
-        </p:nvSpPr>
-        <p:spPr/>
-        <p:txBody>
-          <a:bodyPr/>
-          <a:lstStyle/>
-          <a:p>
-            <a:r>
-              <a:rPr lang="ru-RU"/>
-              <a:t>А</a:t>
-            </a:r>
-            <a:r>
-              <a:rPr lang="ru-RU" sz="4400"/>
-              <a:t>грегированные “</a:t>
-            </a:r>
-            <a:r>
-              <a:rPr lang="en-US" sz="4400"/>
-              <a:t>edges” </a:t>
-            </a:r>
-            <a:r>
-              <a:rPr lang="ru-RU" sz="4400"/>
-              <a:t>по </a:t>
-            </a:r>
-            <a:r>
-              <a:rPr lang="en-US" sz="4400"/>
-              <a:t>Geometric mean</a:t>
-            </a:r>
-            <a:endParaRPr lang="ru-RU"/>
-          </a:p>
-        </p:txBody>
-      </p:sp>
-      <p:sp>
-        <p:nvSpPr>
-          <p:cNvPr id="3" name="Объект 2">
-            <a:extLst>
-              <a:ext uri="{FF2B5EF4-FFF2-40B4-BE49-F238E27FC236}">
-                <a16:creationId xmlns:a16="http://schemas.microsoft.com/office/drawing/2014/main" id="{7ED17B23-5838-4B18-9E5C-BA320B2AC141}"/>
-              </a:ext>
-            </a:extLst>
-          </p:cNvPr>
-          <p:cNvSpPr>
-            <a:spLocks noGrp="1"/>
-          </p:cNvSpPr>
-          <p:nvPr>
-            <p:ph idx="1"/>
-          </p:nvPr>
-        </p:nvSpPr>
-        <p:spPr>
-          <a:xfrm>
-            <a:off x="6585172" y="2286801"/>
-            <a:ext cx="4664102" cy="4351338"/>
-          </a:xfrm>
-        </p:spPr>
-        <p:txBody>
-          <a:bodyPr>
-            <a:normAutofit/>
-          </a:bodyPr>
-          <a:lstStyle/>
-          <a:p>
-            <a:pPr marL="0" indent="0">
-              <a:buNone/>
-            </a:pPr>
-            <a:r>
-              <a:rPr lang="ru-RU" sz="2000"/>
-              <a:t>Топ по </a:t>
-            </a:r>
-            <a:r>
-              <a:rPr lang="en-US" sz="2000"/>
-              <a:t>gmean:</a:t>
-            </a:r>
-          </a:p>
-          <a:p>
-            <a:pPr marL="0" indent="0">
-              <a:buNone/>
-            </a:pPr>
-            <a:r>
-              <a:rPr lang="en-US" sz="2000"/>
-              <a:t> 1. NK </a:t>
-            </a:r>
-            <a:r>
-              <a:rPr lang="ru-RU" sz="2000"/>
-              <a:t>-</a:t>
-            </a:r>
-            <a:r>
-              <a:rPr lang="en-US" sz="2000"/>
-              <a:t>&gt; NK (sum ≈ 11.0; n=19)</a:t>
-            </a:r>
-          </a:p>
-          <a:p>
-            <a:pPr marL="0" indent="0">
-              <a:buNone/>
-            </a:pPr>
-            <a:r>
-              <a:rPr lang="en-US" sz="2000"/>
-              <a:t> 2. T_non_malignant </a:t>
-            </a:r>
-            <a:r>
-              <a:rPr lang="ru-RU" sz="2000"/>
-              <a:t>-</a:t>
-            </a:r>
-            <a:r>
-              <a:rPr lang="en-US" sz="2000"/>
-              <a:t>&gt; NK (sum ≈ 7.77; n=13)</a:t>
-            </a:r>
-          </a:p>
-          <a:p>
-            <a:pPr marL="0" indent="0">
-              <a:buNone/>
-            </a:pPr>
-            <a:r>
-              <a:rPr lang="en-US" sz="2000"/>
-              <a:t> 3. Malignant_T </a:t>
-            </a:r>
-            <a:r>
-              <a:rPr lang="ru-RU" sz="2000"/>
-              <a:t>-</a:t>
-            </a:r>
-            <a:r>
-              <a:rPr lang="en-US" sz="2000"/>
-              <a:t>&gt; NK (sum ≈ 6.52; n=10)</a:t>
-            </a:r>
-          </a:p>
-          <a:p>
-            <a:pPr marL="0" indent="0">
-              <a:buNone/>
-            </a:pPr>
-            <a:r>
-              <a:rPr lang="en-US" sz="2000"/>
-              <a:t> 4. Malignant_T </a:t>
-            </a:r>
-            <a:r>
-              <a:rPr lang="ru-RU" sz="2000"/>
-              <a:t>-</a:t>
-            </a:r>
-            <a:r>
-              <a:rPr lang="en-US" sz="2000"/>
-              <a:t>&gt; B (sum ≈ 5.35; n=3)</a:t>
-            </a:r>
-            <a:endParaRPr lang="ru-RU" sz="1800"/>
-          </a:p>
-        </p:txBody>
-      </p:sp>
-      <p:pic>
-        <p:nvPicPr>
-          <p:cNvPr id="4098" name="Picture 2">
-            <a:extLst>
-              <a:ext uri="{FF2B5EF4-FFF2-40B4-BE49-F238E27FC236}">
-                <a16:creationId xmlns:a16="http://schemas.microsoft.com/office/drawing/2014/main" id="{7E619523-8DCE-49A0-A3D8-32722A83579E}"/>
-              </a:ext>
-            </a:extLst>
-          </p:cNvPr>
-          <p:cNvPicPr>
-            <a:picLocks noChangeAspect="1" noChangeArrowheads="1"/>
-          </p:cNvPicPr>
-          <p:nvPr/>
-        </p:nvPicPr>
-        <p:blipFill>
-          <a:blip r:embed="rId2">
-            <a:extLst>
-              <a:ext uri="{28A0092B-C50C-407E-A947-70E740481C1C}">
-                <a14:useLocalDpi xmlns:a14="http://schemas.microsoft.com/office/drawing/2010/main" val="0"/>
-              </a:ext>
-            </a:extLst>
-          </a:blip>
-          <a:srcRect/>
-          <a:stretch>
-            <a:fillRect/>
-          </a:stretch>
-        </p:blipFill>
-        <p:spPr bwMode="auto">
-          <a:xfrm>
-            <a:off x="942726" y="2160021"/>
-            <a:ext cx="4533900" cy="3714750"/>
+            <a:off x="942726" y="1852653"/>
+            <a:ext cx="4930452" cy="4162508"/>
           </a:xfrm>
           <a:prstGeom prst="rect">
             <a:avLst/>
@@ -4492,128 +4287,6 @@
 </p:sld>
 </file>
 
-<file path=ppt/slides/slide13.xml><?xml version="1.0" encoding="utf-8"?>
-<p:sld xmlns:a="http://schemas.openxmlformats.org/drawingml/2006/main" xmlns:r="http://schemas.openxmlformats.org/officeDocument/2006/relationships" xmlns:p="http://schemas.openxmlformats.org/presentationml/2006/main">
-  <p:cSld>
-    <p:spTree>
-      <p:nvGrpSpPr>
-        <p:cNvPr id="1" name=""/>
-        <p:cNvGrpSpPr/>
-        <p:nvPr/>
-      </p:nvGrpSpPr>
-      <p:grpSpPr>
-        <a:xfrm>
-          <a:off x="0" y="0"/>
-          <a:ext cx="0" cy="0"/>
-          <a:chOff x="0" y="0"/>
-          <a:chExt cx="0" cy="0"/>
-        </a:xfrm>
-      </p:grpSpPr>
-      <p:sp>
-        <p:nvSpPr>
-          <p:cNvPr id="2" name="Заголовок 1">
-            <a:extLst>
-              <a:ext uri="{FF2B5EF4-FFF2-40B4-BE49-F238E27FC236}">
-                <a16:creationId xmlns:a16="http://schemas.microsoft.com/office/drawing/2014/main" id="{7BB0466B-6BCE-4680-99C9-9E9DA2781856}"/>
-              </a:ext>
-            </a:extLst>
-          </p:cNvPr>
-          <p:cNvSpPr>
-            <a:spLocks noGrp="1"/>
-          </p:cNvSpPr>
-          <p:nvPr>
-            <p:ph type="title"/>
-          </p:nvPr>
-        </p:nvSpPr>
-        <p:spPr/>
-        <p:txBody>
-          <a:bodyPr/>
-          <a:lstStyle/>
-          <a:p>
-            <a:r>
-              <a:rPr lang="ru-RU"/>
-              <a:t>А</a:t>
-            </a:r>
-            <a:r>
-              <a:rPr lang="ru-RU" sz="4400"/>
-              <a:t>грегированные “</a:t>
-            </a:r>
-            <a:r>
-              <a:rPr lang="en-US" sz="4400"/>
-              <a:t>edges” </a:t>
-            </a:r>
-            <a:r>
-              <a:rPr lang="ru-RU" sz="4400"/>
-              <a:t>по </a:t>
-            </a:r>
-            <a:r>
-              <a:rPr lang="en-US" sz="4400"/>
-              <a:t>CellChat-like</a:t>
-            </a:r>
-            <a:endParaRPr lang="ru-RU"/>
-          </a:p>
-        </p:txBody>
-      </p:sp>
-      <p:pic>
-        <p:nvPicPr>
-          <p:cNvPr id="5122" name="Picture 2">
-            <a:extLst>
-              <a:ext uri="{FF2B5EF4-FFF2-40B4-BE49-F238E27FC236}">
-                <a16:creationId xmlns:a16="http://schemas.microsoft.com/office/drawing/2014/main" id="{1DF7809D-5959-47CA-9FF6-D0068058CEA0}"/>
-              </a:ext>
-            </a:extLst>
-          </p:cNvPr>
-          <p:cNvPicPr>
-            <a:picLocks noChangeAspect="1" noChangeArrowheads="1"/>
-          </p:cNvPicPr>
-          <p:nvPr/>
-        </p:nvPicPr>
-        <p:blipFill>
-          <a:blip r:embed="rId2">
-            <a:extLst>
-              <a:ext uri="{28A0092B-C50C-407E-A947-70E740481C1C}">
-                <a14:useLocalDpi xmlns:a14="http://schemas.microsoft.com/office/drawing/2010/main" val="0"/>
-              </a:ext>
-            </a:extLst>
-          </a:blip>
-          <a:srcRect/>
-          <a:stretch>
-            <a:fillRect/>
-          </a:stretch>
-        </p:blipFill>
-        <p:spPr bwMode="auto">
-          <a:xfrm>
-            <a:off x="3618278" y="1841969"/>
-            <a:ext cx="4955443" cy="3952194"/>
-          </a:xfrm>
-          <a:prstGeom prst="rect">
-            <a:avLst/>
-          </a:prstGeom>
-          <a:noFill/>
-          <a:extLst>
-            <a:ext uri="{909E8E84-426E-40DD-AFC4-6F175D3DCCD1}">
-              <a14:hiddenFill xmlns:a14="http://schemas.microsoft.com/office/drawing/2010/main">
-                <a:solidFill>
-                  <a:srgbClr val="FFFFFF"/>
-                </a:solidFill>
-              </a14:hiddenFill>
-            </a:ext>
-          </a:extLst>
-        </p:spPr>
-      </p:pic>
-    </p:spTree>
-    <p:extLst>
-      <p:ext uri="{BB962C8B-B14F-4D97-AF65-F5344CB8AC3E}">
-        <p14:creationId xmlns:p14="http://schemas.microsoft.com/office/powerpoint/2010/main" val="1695253407"/>
-      </p:ext>
-    </p:extLst>
-  </p:cSld>
-  <p:clrMapOvr>
-    <a:masterClrMapping/>
-  </p:clrMapOvr>
-</p:sld>
-</file>
-
 <file path=ppt/slides/slide14.xml><?xml version="1.0" encoding="utf-8"?>
 <p:sld xmlns:a="http://schemas.openxmlformats.org/drawingml/2006/main" xmlns:r="http://schemas.openxmlformats.org/officeDocument/2006/relationships" xmlns:p="http://schemas.openxmlformats.org/presentationml/2006/main">
   <p:cSld>
@@ -4647,18 +4320,23 @@
             <p:ph type="title"/>
           </p:nvPr>
         </p:nvSpPr>
-        <p:spPr/>
+        <p:spPr>
+          <a:xfrm>
+            <a:off x="607612" y="52998"/>
+            <a:ext cx="10515600" cy="1325563"/>
+          </a:xfrm>
+        </p:spPr>
         <p:txBody>
           <a:bodyPr/>
           <a:lstStyle/>
           <a:p>
             <a:r>
-              <a:rPr lang="en-US" sz="4400"/>
-              <a:t>Subclustering T_non_malignant: </a:t>
-            </a:r>
-            <a:r>
-              <a:rPr lang="ru-RU" sz="4400"/>
-              <a:t>проверка гетерогенности</a:t>
+              <a:rPr lang="ru-RU"/>
+              <a:t>Сравнение</a:t>
+            </a:r>
+            <a:r>
+              <a:rPr lang="en-US"/>
+              <a:t>: CellChatDB vs Geometric mean</a:t>
             </a:r>
             <a:endParaRPr lang="ru-RU"/>
           </a:p>
@@ -4666,10 +4344,10 @@
       </p:sp>
       <p:pic>
         <p:nvPicPr>
-          <p:cNvPr id="6146" name="Picture 2">
-            <a:extLst>
-              <a:ext uri="{FF2B5EF4-FFF2-40B4-BE49-F238E27FC236}">
-                <a16:creationId xmlns:a16="http://schemas.microsoft.com/office/drawing/2014/main" id="{9DF8B32E-55E3-4B8E-B49B-DEB39A11CCD2}"/>
+          <p:cNvPr id="3074" name="Picture 2">
+            <a:extLst>
+              <a:ext uri="{FF2B5EF4-FFF2-40B4-BE49-F238E27FC236}">
+                <a16:creationId xmlns:a16="http://schemas.microsoft.com/office/drawing/2014/main" id="{BF3F1F9D-A91D-476E-96C6-3639E5AF3B63}"/>
               </a:ext>
             </a:extLst>
           </p:cNvPr>
@@ -4693,8 +4371,8 @@
         </p:blipFill>
         <p:spPr bwMode="auto">
           <a:xfrm>
-            <a:off x="2719450" y="1871972"/>
-            <a:ext cx="6753100" cy="4842905"/>
+            <a:off x="2061102" y="1378561"/>
+            <a:ext cx="5103026" cy="5113679"/>
           </a:xfrm>
           <a:prstGeom prst="rect">
             <a:avLst/>
@@ -4711,10 +4389,45 @@
           </a:extLst>
         </p:spPr>
       </p:pic>
+      <p:sp>
+        <p:nvSpPr>
+          <p:cNvPr id="6" name="TextBox 5">
+            <a:extLst>
+              <a:ext uri="{FF2B5EF4-FFF2-40B4-BE49-F238E27FC236}">
+                <a16:creationId xmlns:a16="http://schemas.microsoft.com/office/drawing/2014/main" id="{B677289C-A34A-4992-A567-416B16D33108}"/>
+              </a:ext>
+            </a:extLst>
+          </p:cNvPr>
+          <p:cNvSpPr txBox="1"/>
+          <p:nvPr/>
+        </p:nvSpPr>
+        <p:spPr>
+          <a:xfrm>
+            <a:off x="8248816" y="2181074"/>
+            <a:ext cx="3312381" cy="923330"/>
+          </a:xfrm>
+          <a:prstGeom prst="rect">
+            <a:avLst/>
+          </a:prstGeom>
+          <a:noFill/>
+        </p:spPr>
+        <p:txBody>
+          <a:bodyPr wrap="square">
+            <a:spAutoFit/>
+          </a:bodyPr>
+          <a:lstStyle/>
+          <a:p>
+            <a:r>
+              <a:rPr lang="ru-RU"/>
+              <a:t>Методы практически одинаково ранжируют силы взаимодействий</a:t>
+            </a:r>
+          </a:p>
+        </p:txBody>
+      </p:sp>
     </p:spTree>
     <p:extLst>
       <p:ext uri="{BB962C8B-B14F-4D97-AF65-F5344CB8AC3E}">
-        <p14:creationId xmlns:p14="http://schemas.microsoft.com/office/powerpoint/2010/main" val="478504663"/>
+        <p14:creationId xmlns:p14="http://schemas.microsoft.com/office/powerpoint/2010/main" val="1695253407"/>
       </p:ext>
     </p:extLst>
   </p:cSld>
@@ -4759,29 +4472,32 @@
         </p:nvSpPr>
         <p:spPr>
           <a:xfrm>
-            <a:off x="448586" y="253807"/>
+            <a:off x="607612" y="52998"/>
             <a:ext cx="10515600" cy="1325563"/>
           </a:xfrm>
         </p:spPr>
         <p:txBody>
-          <a:bodyPr>
-            <a:normAutofit/>
-          </a:bodyPr>
-          <a:lstStyle/>
-          <a:p>
-            <a:r>
-              <a:rPr lang="ru-RU" sz="3600"/>
-              <a:t>Функциональные состояния нелейкозных Т-клеток на основе канонических маркеров</a:t>
-            </a:r>
+          <a:bodyPr/>
+          <a:lstStyle/>
+          <a:p>
+            <a:r>
+              <a:rPr lang="ru-RU"/>
+              <a:t>Сравнение</a:t>
+            </a:r>
+            <a:r>
+              <a:rPr lang="en-US"/>
+              <a:t>: CellChatDB vs Geometric mean</a:t>
+            </a:r>
+            <a:endParaRPr lang="ru-RU"/>
           </a:p>
         </p:txBody>
       </p:sp>
       <p:pic>
         <p:nvPicPr>
-          <p:cNvPr id="7170" name="Picture 2">
-            <a:extLst>
-              <a:ext uri="{FF2B5EF4-FFF2-40B4-BE49-F238E27FC236}">
-                <a16:creationId xmlns:a16="http://schemas.microsoft.com/office/drawing/2014/main" id="{9C67E9E8-E051-461C-A19A-CF1D3373F5E2}"/>
+          <p:cNvPr id="4098" name="Picture 2">
+            <a:extLst>
+              <a:ext uri="{FF2B5EF4-FFF2-40B4-BE49-F238E27FC236}">
+                <a16:creationId xmlns:a16="http://schemas.microsoft.com/office/drawing/2014/main" id="{FB81E014-EE51-475A-A2B6-E19212397DE8}"/>
               </a:ext>
             </a:extLst>
           </p:cNvPr>
@@ -4805,8 +4521,8 @@
         </p:blipFill>
         <p:spPr bwMode="auto">
           <a:xfrm>
-            <a:off x="0" y="1787579"/>
-            <a:ext cx="12192000" cy="3344863"/>
+            <a:off x="3457528" y="1518700"/>
+            <a:ext cx="4815768" cy="4822466"/>
           </a:xfrm>
           <a:prstGeom prst="rect">
             <a:avLst/>
@@ -4826,7 +4542,7 @@
     </p:spTree>
     <p:extLst>
       <p:ext uri="{BB962C8B-B14F-4D97-AF65-F5344CB8AC3E}">
-        <p14:creationId xmlns:p14="http://schemas.microsoft.com/office/powerpoint/2010/main" val="4197242900"/>
+        <p14:creationId xmlns:p14="http://schemas.microsoft.com/office/powerpoint/2010/main" val="2761588527"/>
       </p:ext>
     </p:extLst>
   </p:cSld>
@@ -4871,614 +4587,303 @@
         </p:nvSpPr>
         <p:spPr>
           <a:xfrm>
-            <a:off x="448586" y="253807"/>
+            <a:off x="607612" y="52998"/>
             <a:ext cx="10515600" cy="1325563"/>
           </a:xfrm>
         </p:spPr>
         <p:txBody>
+          <a:bodyPr/>
+          <a:lstStyle/>
+          <a:p>
+            <a:r>
+              <a:rPr lang="ru-RU"/>
+              <a:t>Выводы</a:t>
+            </a:r>
+          </a:p>
+        </p:txBody>
+      </p:sp>
+      <p:sp>
+        <p:nvSpPr>
+          <p:cNvPr id="4" name="Объект 2">
+            <a:extLst>
+              <a:ext uri="{FF2B5EF4-FFF2-40B4-BE49-F238E27FC236}">
+                <a16:creationId xmlns:a16="http://schemas.microsoft.com/office/drawing/2014/main" id="{111CF16B-DFD0-4754-99BC-484204C6846A}"/>
+              </a:ext>
+            </a:extLst>
+          </p:cNvPr>
+          <p:cNvSpPr>
+            <a:spLocks noGrp="1"/>
+          </p:cNvSpPr>
+          <p:nvPr>
+            <p:ph idx="1"/>
+          </p:nvPr>
+        </p:nvSpPr>
+        <p:spPr>
+          <a:xfrm>
+            <a:off x="396239" y="1895396"/>
+            <a:ext cx="5209431" cy="1396444"/>
+          </a:xfrm>
+        </p:spPr>
+        <p:txBody>
           <a:bodyPr>
-            <a:normAutofit/>
+            <a:noAutofit/>
           </a:bodyPr>
           <a:lstStyle/>
           <a:p>
-            <a:r>
-              <a:rPr lang="ru-RU" sz="3600"/>
-              <a:t>Подтипы нелейкозных Т-клеток</a:t>
-            </a:r>
-          </a:p>
-        </p:txBody>
-      </p:sp>
-      <p:pic>
-        <p:nvPicPr>
-          <p:cNvPr id="8194" name="Picture 2">
-            <a:extLst>
-              <a:ext uri="{FF2B5EF4-FFF2-40B4-BE49-F238E27FC236}">
-                <a16:creationId xmlns:a16="http://schemas.microsoft.com/office/drawing/2014/main" id="{143941FB-4FC7-4E4F-9C2C-2300306CCB32}"/>
-              </a:ext>
-            </a:extLst>
-          </p:cNvPr>
-          <p:cNvPicPr>
-            <a:picLocks noChangeAspect="1" noChangeArrowheads="1"/>
-          </p:cNvPicPr>
+            <a:pPr marL="0" indent="0">
+              <a:buNone/>
+            </a:pPr>
+            <a:r>
+              <a:rPr lang="en-US" sz="1800"/>
+              <a:t>scRNA-seq </a:t>
+            </a:r>
+            <a:r>
+              <a:rPr lang="ru-RU" sz="1800"/>
+              <a:t>позволяет выявлять межклеточные взаимодействия через </a:t>
+            </a:r>
+            <a:r>
+              <a:rPr lang="en-US" sz="1800"/>
+              <a:t>ligand–receptor </a:t>
+            </a:r>
+            <a:r>
+              <a:rPr lang="ru-RU" sz="1800"/>
+              <a:t>анализ</a:t>
+            </a:r>
+          </a:p>
+          <a:p>
+            <a:pPr marL="0" indent="0">
+              <a:buNone/>
+            </a:pPr>
+            <a:endParaRPr lang="ru-RU" sz="1800"/>
+          </a:p>
+          <a:p>
+            <a:pPr marL="0" indent="0">
+              <a:buNone/>
+            </a:pPr>
+            <a:r>
+              <a:rPr lang="ru-RU" sz="1800"/>
+              <a:t>В опухолевом микроокружении ожидаются сильные сигналы между опухолевыми и иммунными клетками</a:t>
+            </a:r>
+          </a:p>
+          <a:p>
+            <a:pPr marL="0" indent="0">
+              <a:buNone/>
+            </a:pPr>
+            <a:r>
+              <a:rPr lang="ru-RU" sz="1800"/>
+              <a:t>Разные методы (</a:t>
+            </a:r>
+            <a:r>
+              <a:rPr lang="en-US" sz="1800"/>
+              <a:t>CellPhoneDB, Geometric Mean) </a:t>
+            </a:r>
+            <a:r>
+              <a:rPr lang="ru-RU" sz="1800"/>
+              <a:t>должны давать</a:t>
+            </a:r>
+          </a:p>
+          <a:p>
+            <a:pPr marL="0" indent="0">
+              <a:buNone/>
+            </a:pPr>
+            <a:r>
+              <a:rPr lang="ru-RU" sz="1800"/>
+              <a:t>схожую структуру взаимодействий, но не обязательно одинаковые </a:t>
+            </a:r>
+            <a:r>
+              <a:rPr lang="en-US" sz="1800"/>
+              <a:t>p-values</a:t>
+            </a:r>
+            <a:endParaRPr lang="ru-RU" sz="1800"/>
+          </a:p>
+          <a:p>
+            <a:pPr marL="0" indent="0">
+              <a:buNone/>
+            </a:pPr>
+            <a:endParaRPr lang="ru-RU" sz="1800"/>
+          </a:p>
+        </p:txBody>
+      </p:sp>
+      <p:sp>
+        <p:nvSpPr>
+          <p:cNvPr id="6" name="TextBox 5">
+            <a:extLst>
+              <a:ext uri="{FF2B5EF4-FFF2-40B4-BE49-F238E27FC236}">
+                <a16:creationId xmlns:a16="http://schemas.microsoft.com/office/drawing/2014/main" id="{B6902100-ED87-4523-BC3B-680DE520923C}"/>
+              </a:ext>
+            </a:extLst>
+          </p:cNvPr>
+          <p:cNvSpPr txBox="1"/>
           <p:nvPr/>
-        </p:nvPicPr>
-        <p:blipFill>
-          <a:blip r:embed="rId2">
-            <a:extLst>
-              <a:ext uri="{28A0092B-C50C-407E-A947-70E740481C1C}">
-                <a14:useLocalDpi xmlns:a14="http://schemas.microsoft.com/office/drawing/2010/main" val="0"/>
-              </a:ext>
-            </a:extLst>
-          </a:blip>
-          <a:srcRect/>
-          <a:stretch>
-            <a:fillRect/>
-          </a:stretch>
-        </p:blipFill>
-        <p:spPr bwMode="auto">
+        </p:nvSpPr>
+        <p:spPr>
           <a:xfrm>
-            <a:off x="2714625" y="1893198"/>
-            <a:ext cx="6762750" cy="4105275"/>
+            <a:off x="6097326" y="1651915"/>
+            <a:ext cx="6094674" cy="3693319"/>
           </a:xfrm>
           <a:prstGeom prst="rect">
             <a:avLst/>
           </a:prstGeom>
           <a:noFill/>
-          <a:extLst>
-            <a:ext uri="{909E8E84-426E-40DD-AFC4-6F175D3DCCD1}">
-              <a14:hiddenFill xmlns:a14="http://schemas.microsoft.com/office/drawing/2010/main">
-                <a:solidFill>
-                  <a:srgbClr val="FFFFFF"/>
-                </a:solidFill>
-              </a14:hiddenFill>
-            </a:ext>
-          </a:extLst>
         </p:spPr>
-      </p:pic>
+        <p:txBody>
+          <a:bodyPr wrap="square">
+            <a:spAutoFit/>
+          </a:bodyPr>
+          <a:lstStyle/>
+          <a:p>
+            <a:pPr marL="0" indent="0">
+              <a:buNone/>
+            </a:pPr>
+            <a:r>
+              <a:rPr lang="en-US" sz="1800"/>
+              <a:t>Magnitude </a:t>
+            </a:r>
+            <a:r>
+              <a:rPr lang="ru-RU" sz="1800"/>
+              <a:t>сильно согласованы между методами</a:t>
+            </a:r>
+          </a:p>
+          <a:p>
+            <a:pPr marL="0" indent="0">
+              <a:buNone/>
+            </a:pPr>
+            <a:r>
+              <a:rPr lang="ru-RU" sz="1800"/>
+              <a:t>- </a:t>
+            </a:r>
+            <a:r>
+              <a:rPr lang="en-US" sz="1800"/>
+              <a:t>Spearman </a:t>
+            </a:r>
+            <a:r>
+              <a:rPr lang="el-GR" sz="1800"/>
+              <a:t>ρ ≈ 0.97</a:t>
+            </a:r>
+          </a:p>
+          <a:p>
+            <a:pPr marL="0" indent="0">
+              <a:buNone/>
+            </a:pPr>
+            <a:endParaRPr lang="el-GR" sz="1800"/>
+          </a:p>
+          <a:p>
+            <a:pPr marL="0" indent="0">
+              <a:buNone/>
+            </a:pPr>
+            <a:r>
+              <a:rPr lang="en-US" sz="1800"/>
+              <a:t>p-values </a:t>
+            </a:r>
+            <a:r>
+              <a:rPr lang="ru-RU" sz="1800"/>
+              <a:t>также хорошо коррелируют, но слабее</a:t>
+            </a:r>
+          </a:p>
+          <a:p>
+            <a:pPr marL="0" indent="0">
+              <a:buNone/>
+            </a:pPr>
+            <a:r>
+              <a:rPr lang="ru-RU"/>
+              <a:t>-</a:t>
+            </a:r>
+            <a:r>
+              <a:rPr lang="ru-RU" sz="1800"/>
+              <a:t> </a:t>
+            </a:r>
+            <a:r>
+              <a:rPr lang="en-US" sz="1800"/>
+              <a:t>Spearman </a:t>
+            </a:r>
+            <a:r>
+              <a:rPr lang="el-GR" sz="1800"/>
+              <a:t>ρ ≈ 0.85</a:t>
+            </a:r>
+          </a:p>
+          <a:p>
+            <a:pPr marL="0" indent="0">
+              <a:buNone/>
+            </a:pPr>
+            <a:endParaRPr lang="el-GR" sz="1800"/>
+          </a:p>
+          <a:p>
+            <a:pPr marL="0" indent="0">
+              <a:buNone/>
+            </a:pPr>
+            <a:r>
+              <a:rPr lang="ru-RU" sz="1800"/>
+              <a:t>Сетевые и </a:t>
+            </a:r>
+            <a:r>
+              <a:rPr lang="en-US" sz="1800"/>
+              <a:t>heatmap-</a:t>
+            </a:r>
+            <a:r>
+              <a:rPr lang="ru-RU" sz="1800"/>
+              <a:t>визуализации показывают:</a:t>
+            </a:r>
+          </a:p>
+          <a:p>
+            <a:pPr marL="0" indent="0">
+              <a:buNone/>
+            </a:pPr>
+            <a:endParaRPr lang="ru-RU" sz="1800"/>
+          </a:p>
+          <a:p>
+            <a:pPr marL="0" indent="0">
+              <a:buNone/>
+            </a:pPr>
+            <a:r>
+              <a:rPr lang="en-US" sz="1800"/>
+              <a:t>NK-</a:t>
+            </a:r>
+            <a:r>
+              <a:rPr lang="ru-RU" sz="1800"/>
+              <a:t>клетки как центральный узел коммуникации</a:t>
+            </a:r>
+          </a:p>
+          <a:p>
+            <a:pPr marL="0" indent="0">
+              <a:buNone/>
+            </a:pPr>
+            <a:endParaRPr lang="ru-RU" sz="1800"/>
+          </a:p>
+          <a:p>
+            <a:pPr marL="0" indent="0">
+              <a:buNone/>
+            </a:pPr>
+            <a:r>
+              <a:rPr lang="ru-RU" sz="1800"/>
+              <a:t>Активные взаимодействия </a:t>
+            </a:r>
+            <a:r>
+              <a:rPr lang="en-US" sz="1800"/>
+              <a:t>T-ALL &lt;-&gt; immune cells</a:t>
+            </a:r>
+          </a:p>
+          <a:p>
+            <a:pPr marL="0" indent="0">
+              <a:buNone/>
+            </a:pPr>
+            <a:endParaRPr lang="en-US" sz="1800"/>
+          </a:p>
+          <a:p>
+            <a:pPr marL="0" indent="0">
+              <a:buNone/>
+            </a:pPr>
+            <a:r>
+              <a:rPr lang="en-US" sz="1800"/>
+              <a:t>(Kumar et al., 2018; Armingol et al., 2021)</a:t>
+            </a:r>
+            <a:endParaRPr lang="ru-RU" sz="1800"/>
+          </a:p>
+        </p:txBody>
+      </p:sp>
     </p:spTree>
     <p:extLst>
       <p:ext uri="{BB962C8B-B14F-4D97-AF65-F5344CB8AC3E}">
-        <p14:creationId xmlns:p14="http://schemas.microsoft.com/office/powerpoint/2010/main" val="1920989527"/>
-      </p:ext>
-    </p:extLst>
-  </p:cSld>
-  <p:clrMapOvr>
-    <a:masterClrMapping/>
-  </p:clrMapOvr>
-</p:sld>
-</file>
-
-<file path=ppt/slides/slide17.xml><?xml version="1.0" encoding="utf-8"?>
-<p:sld xmlns:a="http://schemas.openxmlformats.org/drawingml/2006/main" xmlns:r="http://schemas.openxmlformats.org/officeDocument/2006/relationships" xmlns:p="http://schemas.openxmlformats.org/presentationml/2006/main">
-  <p:cSld>
-    <p:spTree>
-      <p:nvGrpSpPr>
-        <p:cNvPr id="1" name=""/>
-        <p:cNvGrpSpPr/>
-        <p:nvPr/>
-      </p:nvGrpSpPr>
-      <p:grpSpPr>
-        <a:xfrm>
-          <a:off x="0" y="0"/>
-          <a:ext cx="0" cy="0"/>
-          <a:chOff x="0" y="0"/>
-          <a:chExt cx="0" cy="0"/>
-        </a:xfrm>
-      </p:grpSpPr>
-      <p:sp>
-        <p:nvSpPr>
-          <p:cNvPr id="2" name="Заголовок 1">
-            <a:extLst>
-              <a:ext uri="{FF2B5EF4-FFF2-40B4-BE49-F238E27FC236}">
-                <a16:creationId xmlns:a16="http://schemas.microsoft.com/office/drawing/2014/main" id="{7BB0466B-6BCE-4680-99C9-9E9DA2781856}"/>
-              </a:ext>
-            </a:extLst>
-          </p:cNvPr>
-          <p:cNvSpPr>
-            <a:spLocks noGrp="1"/>
-          </p:cNvSpPr>
-          <p:nvPr>
-            <p:ph type="title"/>
-          </p:nvPr>
-        </p:nvSpPr>
-        <p:spPr>
-          <a:xfrm>
-            <a:off x="448586" y="253807"/>
-            <a:ext cx="10515600" cy="1325563"/>
-          </a:xfrm>
-        </p:spPr>
-        <p:txBody>
-          <a:bodyPr>
-            <a:normAutofit/>
-          </a:bodyPr>
-          <a:lstStyle/>
-          <a:p>
-            <a:r>
-              <a:rPr lang="ru-RU" sz="3600"/>
-              <a:t>Сила межклеточных взаимодействий после разделения Т-клеток на группы (</a:t>
-            </a:r>
-            <a:r>
-              <a:rPr lang="en-US" sz="3600"/>
-              <a:t>Geometric mean</a:t>
-            </a:r>
-            <a:r>
-              <a:rPr lang="ru-RU" sz="3600"/>
-              <a:t>)</a:t>
-            </a:r>
-          </a:p>
-        </p:txBody>
-      </p:sp>
-      <p:sp>
-        <p:nvSpPr>
-          <p:cNvPr id="4" name="Объект 2">
-            <a:extLst>
-              <a:ext uri="{FF2B5EF4-FFF2-40B4-BE49-F238E27FC236}">
-                <a16:creationId xmlns:a16="http://schemas.microsoft.com/office/drawing/2014/main" id="{8801233D-04B4-42DC-88FF-F7FFA1C86906}"/>
-              </a:ext>
-            </a:extLst>
-          </p:cNvPr>
-          <p:cNvSpPr>
-            <a:spLocks noGrp="1"/>
-          </p:cNvSpPr>
-          <p:nvPr>
-            <p:ph idx="1"/>
-          </p:nvPr>
-        </p:nvSpPr>
-        <p:spPr>
-          <a:xfrm>
-            <a:off x="7550318" y="2188970"/>
-            <a:ext cx="3890210" cy="4351338"/>
-          </a:xfrm>
-        </p:spPr>
-        <p:txBody>
-          <a:bodyPr>
-            <a:normAutofit/>
-          </a:bodyPr>
-          <a:lstStyle/>
-          <a:p>
-            <a:pPr marL="0" indent="0">
-              <a:buNone/>
-            </a:pPr>
-            <a:r>
-              <a:rPr lang="ru-RU" sz="1800"/>
-              <a:t>После </a:t>
-            </a:r>
-            <a:r>
-              <a:rPr lang="en-US" sz="1800"/>
-              <a:t>refined-</a:t>
-            </a:r>
-            <a:r>
-              <a:rPr lang="ru-RU" sz="1800"/>
-              <a:t>аннотации:</a:t>
-            </a:r>
-          </a:p>
-          <a:p>
-            <a:pPr marL="0" indent="0">
-              <a:buNone/>
-            </a:pPr>
-            <a:r>
-              <a:rPr lang="ru-RU" sz="1800"/>
-              <a:t> • Взаимодействия “</a:t>
-            </a:r>
-            <a:r>
-              <a:rPr lang="en-US" sz="1800"/>
-              <a:t>T</a:t>
-            </a:r>
-            <a:r>
-              <a:rPr lang="ru-RU" sz="1800"/>
-              <a:t> -</a:t>
-            </a:r>
-            <a:r>
-              <a:rPr lang="en-US" sz="1800"/>
-              <a:t>&gt; …” </a:t>
-            </a:r>
-            <a:r>
-              <a:rPr lang="ru-RU" sz="1800"/>
-              <a:t>распались на подтипы (</a:t>
-            </a:r>
-            <a:r>
-              <a:rPr lang="en-US" sz="1800"/>
-              <a:t>CD4 naive/activated, CD8 cytotoxic/memory, exhausted, resting)</a:t>
-            </a:r>
-          </a:p>
-          <a:p>
-            <a:pPr marL="0" indent="0">
-              <a:buNone/>
-            </a:pPr>
-            <a:r>
-              <a:rPr lang="en-US" sz="1800"/>
-              <a:t> • </a:t>
-            </a:r>
-            <a:r>
-              <a:rPr lang="ru-RU" sz="1800"/>
-              <a:t>Появились дифференциальные паттерны: кто именно общается с </a:t>
-            </a:r>
-            <a:r>
-              <a:rPr lang="en-US" sz="1800"/>
-              <a:t>B/NK/</a:t>
-            </a:r>
-            <a:r>
-              <a:rPr lang="ru-RU" sz="1800"/>
-              <a:t>лейкозными клетками</a:t>
-            </a:r>
-          </a:p>
-          <a:p>
-            <a:pPr marL="0" indent="0">
-              <a:buNone/>
-            </a:pPr>
-            <a:r>
-              <a:rPr lang="ru-RU" sz="1800"/>
-              <a:t>• выраженные оси взаимодействий: </a:t>
-            </a:r>
-            <a:r>
-              <a:rPr lang="en-US" sz="1800"/>
-              <a:t>T_CD4_Naive &lt;-&gt; NK / B, Malignant_T -&gt; B, NK -&gt; NK</a:t>
-            </a:r>
-            <a:endParaRPr lang="ru-RU" sz="1800"/>
-          </a:p>
-        </p:txBody>
-      </p:sp>
-      <p:pic>
-        <p:nvPicPr>
-          <p:cNvPr id="9218" name="Picture 2">
-            <a:extLst>
-              <a:ext uri="{FF2B5EF4-FFF2-40B4-BE49-F238E27FC236}">
-                <a16:creationId xmlns:a16="http://schemas.microsoft.com/office/drawing/2014/main" id="{D116761F-96CB-4297-802E-E9B98269064A}"/>
-              </a:ext>
-            </a:extLst>
-          </p:cNvPr>
-          <p:cNvPicPr>
-            <a:picLocks noChangeAspect="1" noChangeArrowheads="1"/>
-          </p:cNvPicPr>
-          <p:nvPr/>
-        </p:nvPicPr>
-        <p:blipFill>
-          <a:blip r:embed="rId2">
-            <a:extLst>
-              <a:ext uri="{28A0092B-C50C-407E-A947-70E740481C1C}">
-                <a14:useLocalDpi xmlns:a14="http://schemas.microsoft.com/office/drawing/2010/main" val="0"/>
-              </a:ext>
-            </a:extLst>
-          </a:blip>
-          <a:srcRect/>
-          <a:stretch>
-            <a:fillRect/>
-          </a:stretch>
-        </p:blipFill>
-        <p:spPr bwMode="auto">
-          <a:xfrm>
-            <a:off x="751472" y="1571538"/>
-            <a:ext cx="6146632" cy="5286462"/>
-          </a:xfrm>
-          <a:prstGeom prst="rect">
-            <a:avLst/>
-          </a:prstGeom>
-          <a:noFill/>
-          <a:extLst>
-            <a:ext uri="{909E8E84-426E-40DD-AFC4-6F175D3DCCD1}">
-              <a14:hiddenFill xmlns:a14="http://schemas.microsoft.com/office/drawing/2010/main">
-                <a:solidFill>
-                  <a:srgbClr val="FFFFFF"/>
-                </a:solidFill>
-              </a14:hiddenFill>
-            </a:ext>
-          </a:extLst>
-        </p:spPr>
-      </p:pic>
-    </p:spTree>
-    <p:extLst>
-      <p:ext uri="{BB962C8B-B14F-4D97-AF65-F5344CB8AC3E}">
-        <p14:creationId xmlns:p14="http://schemas.microsoft.com/office/powerpoint/2010/main" val="1407692510"/>
-      </p:ext>
-    </p:extLst>
-  </p:cSld>
-  <p:clrMapOvr>
-    <a:masterClrMapping/>
-  </p:clrMapOvr>
-</p:sld>
-</file>
-
-<file path=ppt/slides/slide18.xml><?xml version="1.0" encoding="utf-8"?>
-<p:sld xmlns:a="http://schemas.openxmlformats.org/drawingml/2006/main" xmlns:r="http://schemas.openxmlformats.org/officeDocument/2006/relationships" xmlns:p="http://schemas.openxmlformats.org/presentationml/2006/main">
-  <p:cSld>
-    <p:spTree>
-      <p:nvGrpSpPr>
-        <p:cNvPr id="1" name=""/>
-        <p:cNvGrpSpPr/>
-        <p:nvPr/>
-      </p:nvGrpSpPr>
-      <p:grpSpPr>
-        <a:xfrm>
-          <a:off x="0" y="0"/>
-          <a:ext cx="0" cy="0"/>
-          <a:chOff x="0" y="0"/>
-          <a:chExt cx="0" cy="0"/>
-        </a:xfrm>
-      </p:grpSpPr>
-      <p:sp>
-        <p:nvSpPr>
-          <p:cNvPr id="2" name="Заголовок 1">
-            <a:extLst>
-              <a:ext uri="{FF2B5EF4-FFF2-40B4-BE49-F238E27FC236}">
-                <a16:creationId xmlns:a16="http://schemas.microsoft.com/office/drawing/2014/main" id="{7BB0466B-6BCE-4680-99C9-9E9DA2781856}"/>
-              </a:ext>
-            </a:extLst>
-          </p:cNvPr>
-          <p:cNvSpPr>
-            <a:spLocks noGrp="1"/>
-          </p:cNvSpPr>
-          <p:nvPr>
-            <p:ph type="title"/>
-          </p:nvPr>
-        </p:nvSpPr>
-        <p:spPr>
-          <a:xfrm>
-            <a:off x="448586" y="253807"/>
-            <a:ext cx="10515600" cy="1325563"/>
-          </a:xfrm>
-        </p:spPr>
-        <p:txBody>
-          <a:bodyPr>
-            <a:normAutofit/>
-          </a:bodyPr>
-          <a:lstStyle/>
-          <a:p>
-            <a:r>
-              <a:rPr lang="en-US" sz="3600"/>
-              <a:t>Geometric mean vs log2fc</a:t>
-            </a:r>
-            <a:endParaRPr lang="ru-RU" sz="3600"/>
-          </a:p>
-        </p:txBody>
-      </p:sp>
-      <p:sp>
-        <p:nvSpPr>
-          <p:cNvPr id="4" name="Объект 2">
-            <a:extLst>
-              <a:ext uri="{FF2B5EF4-FFF2-40B4-BE49-F238E27FC236}">
-                <a16:creationId xmlns:a16="http://schemas.microsoft.com/office/drawing/2014/main" id="{8801233D-04B4-42DC-88FF-F7FFA1C86906}"/>
-              </a:ext>
-            </a:extLst>
-          </p:cNvPr>
-          <p:cNvSpPr>
-            <a:spLocks noGrp="1"/>
-          </p:cNvSpPr>
-          <p:nvPr>
-            <p:ph idx="1"/>
-          </p:nvPr>
-        </p:nvSpPr>
-        <p:spPr>
-          <a:xfrm>
-            <a:off x="7550318" y="2188970"/>
-            <a:ext cx="3890210" cy="4351338"/>
-          </a:xfrm>
-        </p:spPr>
-        <p:txBody>
-          <a:bodyPr>
-            <a:normAutofit/>
-          </a:bodyPr>
-          <a:lstStyle/>
-          <a:p>
-            <a:pPr marL="0" indent="0">
-              <a:buNone/>
-            </a:pPr>
-            <a:r>
-              <a:rPr lang="ru-RU" sz="1800"/>
-              <a:t>Между уровнем экспрессии и дифференциальной специфичностью существует положительная, но неполная корреляция </a:t>
-            </a:r>
-          </a:p>
-        </p:txBody>
-      </p:sp>
-      <p:pic>
-        <p:nvPicPr>
-          <p:cNvPr id="10242" name="Picture 2">
-            <a:extLst>
-              <a:ext uri="{FF2B5EF4-FFF2-40B4-BE49-F238E27FC236}">
-                <a16:creationId xmlns:a16="http://schemas.microsoft.com/office/drawing/2014/main" id="{8D18907E-3674-4265-B48E-95BFEB297BC1}"/>
-              </a:ext>
-            </a:extLst>
-          </p:cNvPr>
-          <p:cNvPicPr>
-            <a:picLocks noChangeAspect="1" noChangeArrowheads="1"/>
-          </p:cNvPicPr>
-          <p:nvPr/>
-        </p:nvPicPr>
-        <p:blipFill>
-          <a:blip r:embed="rId2">
-            <a:extLst>
-              <a:ext uri="{28A0092B-C50C-407E-A947-70E740481C1C}">
-                <a14:useLocalDpi xmlns:a14="http://schemas.microsoft.com/office/drawing/2010/main" val="0"/>
-              </a:ext>
-            </a:extLst>
-          </a:blip>
-          <a:srcRect/>
-          <a:stretch>
-            <a:fillRect/>
-          </a:stretch>
-        </p:blipFill>
-        <p:spPr bwMode="auto">
-          <a:xfrm>
-            <a:off x="2387517" y="2188970"/>
-            <a:ext cx="4657725" cy="3714750"/>
-          </a:xfrm>
-          <a:prstGeom prst="rect">
-            <a:avLst/>
-          </a:prstGeom>
-          <a:noFill/>
-          <a:extLst>
-            <a:ext uri="{909E8E84-426E-40DD-AFC4-6F175D3DCCD1}">
-              <a14:hiddenFill xmlns:a14="http://schemas.microsoft.com/office/drawing/2010/main">
-                <a:solidFill>
-                  <a:srgbClr val="FFFFFF"/>
-                </a:solidFill>
-              </a14:hiddenFill>
-            </a:ext>
-          </a:extLst>
-        </p:spPr>
-      </p:pic>
-    </p:spTree>
-    <p:extLst>
-      <p:ext uri="{BB962C8B-B14F-4D97-AF65-F5344CB8AC3E}">
-        <p14:creationId xmlns:p14="http://schemas.microsoft.com/office/powerpoint/2010/main" val="2908831179"/>
-      </p:ext>
-    </p:extLst>
-  </p:cSld>
-  <p:clrMapOvr>
-    <a:masterClrMapping/>
-  </p:clrMapOvr>
-</p:sld>
-</file>
-
-<file path=ppt/slides/slide19.xml><?xml version="1.0" encoding="utf-8"?>
-<p:sld xmlns:a="http://schemas.openxmlformats.org/drawingml/2006/main" xmlns:r="http://schemas.openxmlformats.org/officeDocument/2006/relationships" xmlns:p="http://schemas.openxmlformats.org/presentationml/2006/main">
-  <p:cSld>
-    <p:spTree>
-      <p:nvGrpSpPr>
-        <p:cNvPr id="1" name=""/>
-        <p:cNvGrpSpPr/>
-        <p:nvPr/>
-      </p:nvGrpSpPr>
-      <p:grpSpPr>
-        <a:xfrm>
-          <a:off x="0" y="0"/>
-          <a:ext cx="0" cy="0"/>
-          <a:chOff x="0" y="0"/>
-          <a:chExt cx="0" cy="0"/>
-        </a:xfrm>
-      </p:grpSpPr>
-      <p:sp>
-        <p:nvSpPr>
-          <p:cNvPr id="2" name="Заголовок 1">
-            <a:extLst>
-              <a:ext uri="{FF2B5EF4-FFF2-40B4-BE49-F238E27FC236}">
-                <a16:creationId xmlns:a16="http://schemas.microsoft.com/office/drawing/2014/main" id="{7BB0466B-6BCE-4680-99C9-9E9DA2781856}"/>
-              </a:ext>
-            </a:extLst>
-          </p:cNvPr>
-          <p:cNvSpPr>
-            <a:spLocks noGrp="1"/>
-          </p:cNvSpPr>
-          <p:nvPr>
-            <p:ph type="title"/>
-          </p:nvPr>
-        </p:nvSpPr>
-        <p:spPr>
-          <a:xfrm>
-            <a:off x="345219" y="62975"/>
-            <a:ext cx="10515600" cy="1325563"/>
-          </a:xfrm>
-        </p:spPr>
-        <p:txBody>
-          <a:bodyPr>
-            <a:normAutofit/>
-          </a:bodyPr>
-          <a:lstStyle/>
-          <a:p>
-            <a:r>
-              <a:rPr lang="en-US" sz="3600"/>
-              <a:t>Geometric mean vs cellchat</a:t>
-            </a:r>
-            <a:endParaRPr lang="ru-RU" sz="3600"/>
-          </a:p>
-        </p:txBody>
-      </p:sp>
-      <p:sp>
-        <p:nvSpPr>
-          <p:cNvPr id="4" name="Объект 2">
-            <a:extLst>
-              <a:ext uri="{FF2B5EF4-FFF2-40B4-BE49-F238E27FC236}">
-                <a16:creationId xmlns:a16="http://schemas.microsoft.com/office/drawing/2014/main" id="{8801233D-04B4-42DC-88FF-F7FFA1C86906}"/>
-              </a:ext>
-            </a:extLst>
-          </p:cNvPr>
-          <p:cNvSpPr>
-            <a:spLocks noGrp="1"/>
-          </p:cNvSpPr>
-          <p:nvPr>
-            <p:ph idx="1"/>
-          </p:nvPr>
-        </p:nvSpPr>
-        <p:spPr>
-          <a:xfrm>
-            <a:off x="7550318" y="2188970"/>
-            <a:ext cx="3890210" cy="4351338"/>
-          </a:xfrm>
-        </p:spPr>
-        <p:txBody>
-          <a:bodyPr>
-            <a:normAutofit/>
-          </a:bodyPr>
-          <a:lstStyle/>
-          <a:p>
-            <a:pPr marL="0" indent="0">
-              <a:buNone/>
-            </a:pPr>
-            <a:r>
-              <a:rPr lang="ru-RU" sz="1800"/>
-              <a:t>Для log2FC-специфичных взаимодействий gmean и CellChat практически одинаково ранжируют LR-пары </a:t>
-            </a:r>
-            <a:r>
-              <a:rPr lang="en-US" sz="1800"/>
-              <a:t>-&gt;</a:t>
-            </a:r>
-            <a:r>
-              <a:rPr lang="ru-RU" sz="1800"/>
-              <a:t> результаты устойчивы к выбору метрики</a:t>
-            </a:r>
-          </a:p>
-        </p:txBody>
-      </p:sp>
-      <p:pic>
-        <p:nvPicPr>
-          <p:cNvPr id="11266" name="Picture 2">
-            <a:extLst>
-              <a:ext uri="{FF2B5EF4-FFF2-40B4-BE49-F238E27FC236}">
-                <a16:creationId xmlns:a16="http://schemas.microsoft.com/office/drawing/2014/main" id="{EAABE50A-E08C-4729-9994-753A8C92D530}"/>
-              </a:ext>
-            </a:extLst>
-          </p:cNvPr>
-          <p:cNvPicPr>
-            <a:picLocks noChangeAspect="1" noChangeArrowheads="1"/>
-          </p:cNvPicPr>
-          <p:nvPr/>
-        </p:nvPicPr>
-        <p:blipFill>
-          <a:blip r:embed="rId2">
-            <a:extLst>
-              <a:ext uri="{28A0092B-C50C-407E-A947-70E740481C1C}">
-                <a14:useLocalDpi xmlns:a14="http://schemas.microsoft.com/office/drawing/2010/main" val="0"/>
-              </a:ext>
-            </a:extLst>
-          </a:blip>
-          <a:srcRect/>
-          <a:stretch>
-            <a:fillRect/>
-          </a:stretch>
-        </p:blipFill>
-        <p:spPr bwMode="auto">
-          <a:xfrm>
-            <a:off x="1660043" y="1818115"/>
-            <a:ext cx="4657725" cy="3714750"/>
-          </a:xfrm>
-          <a:prstGeom prst="rect">
-            <a:avLst/>
-          </a:prstGeom>
-          <a:noFill/>
-          <a:extLst>
-            <a:ext uri="{909E8E84-426E-40DD-AFC4-6F175D3DCCD1}">
-              <a14:hiddenFill xmlns:a14="http://schemas.microsoft.com/office/drawing/2010/main">
-                <a:solidFill>
-                  <a:srgbClr val="FFFFFF"/>
-                </a:solidFill>
-              </a14:hiddenFill>
-            </a:ext>
-          </a:extLst>
-        </p:spPr>
-      </p:pic>
-    </p:spTree>
-    <p:extLst>
-      <p:ext uri="{BB962C8B-B14F-4D97-AF65-F5344CB8AC3E}">
-        <p14:creationId xmlns:p14="http://schemas.microsoft.com/office/powerpoint/2010/main" val="3227882216"/>
+        <p14:creationId xmlns:p14="http://schemas.microsoft.com/office/powerpoint/2010/main" val="1315127253"/>
       </p:ext>
     </p:extLst>
   </p:cSld>
@@ -6033,1314 +5438,6 @@
           </a:p>
         </p:txBody>
       </p:sp>
-      <mc:AlternateContent xmlns:mc="http://schemas.openxmlformats.org/markup-compatibility/2006">
-        <mc:Choice xmlns:a14="http://schemas.microsoft.com/office/drawing/2010/main" Requires="a14">
-          <p:sp>
-            <p:nvSpPr>
-              <p:cNvPr id="3" name="Объект 2">
-                <a:extLst>
-                  <a:ext uri="{FF2B5EF4-FFF2-40B4-BE49-F238E27FC236}">
-                    <a16:creationId xmlns:a16="http://schemas.microsoft.com/office/drawing/2014/main" id="{7ED17B23-5838-4B18-9E5C-BA320B2AC141}"/>
-                  </a:ext>
-                </a:extLst>
-              </p:cNvPr>
-              <p:cNvSpPr>
-                <a:spLocks noGrp="1"/>
-              </p:cNvSpPr>
-              <p:nvPr>
-                <p:ph idx="1"/>
-              </p:nvPr>
-            </p:nvSpPr>
-            <p:spPr/>
-            <p:txBody>
-              <a:bodyPr>
-                <a:normAutofit fontScale="85000" lnSpcReduction="20000"/>
-              </a:bodyPr>
-              <a:lstStyle/>
-              <a:p>
-                <a:pPr marL="0" indent="0">
-                  <a:buNone/>
-                </a:pPr>
-                <a:r>
-                  <a:rPr lang="en-US" sz="2200" b="1">
-                    <a:solidFill>
-                      <a:schemeClr val="tx1"/>
-                    </a:solidFill>
-                  </a:rPr>
-                  <a:t>- CellPhoneDB:</a:t>
-                </a:r>
-              </a:p>
-              <a:p>
-                <a:pPr marL="0" indent="0">
-                  <a:buNone/>
-                </a:pPr>
-                <a:endParaRPr lang="en-US" sz="2200">
-                  <a:solidFill>
-                    <a:schemeClr val="tx1"/>
-                  </a:solidFill>
-                </a:endParaRPr>
-              </a:p>
-              <a:p>
-                <a:pPr marL="0" indent="0">
-                  <a:buNone/>
-                </a:pPr>
-                <a14:m>
-                  <m:oMathPara xmlns:m="http://schemas.openxmlformats.org/officeDocument/2006/math">
-                    <m:oMathParaPr>
-                      <m:jc m:val="left"/>
-                    </m:oMathParaPr>
-                    <m:oMath xmlns:m="http://schemas.openxmlformats.org/officeDocument/2006/math">
-                      <m:r>
-                        <m:rPr>
-                          <m:sty m:val="p"/>
-                        </m:rPr>
-                        <a:rPr lang="ru-RU" sz="2200" i="0" smtClean="0">
-                          <a:solidFill>
-                            <a:schemeClr val="tx1"/>
-                          </a:solidFill>
-                          <a:latin typeface="Cambria Math" panose="02040503050406030204" pitchFamily="18" charset="0"/>
-                        </a:rPr>
-                        <m:t>L</m:t>
-                      </m:r>
-                      <m:sSubSup>
-                        <m:sSubSupPr>
-                          <m:ctrlPr>
-                            <a:rPr lang="ru-RU" sz="2200">
-                              <a:solidFill>
-                                <a:schemeClr val="tx1"/>
-                              </a:solidFill>
-                              <a:latin typeface="Cambria Math" panose="02040503050406030204" pitchFamily="18" charset="0"/>
-                            </a:rPr>
-                          </m:ctrlPr>
-                        </m:sSubSupPr>
-                        <m:e>
-                          <m:r>
-                            <m:rPr>
-                              <m:sty m:val="p"/>
-                            </m:rPr>
-                            <a:rPr lang="ru-RU" sz="2200" i="0" smtClean="0">
-                              <a:solidFill>
-                                <a:schemeClr val="tx1"/>
-                              </a:solidFill>
-                              <a:latin typeface="Cambria Math" panose="02040503050406030204" pitchFamily="18" charset="0"/>
-                            </a:rPr>
-                            <m:t>R</m:t>
-                          </m:r>
-                        </m:e>
-                        <m:sub>
-                          <m:r>
-                            <m:rPr>
-                              <m:sty m:val="p"/>
-                            </m:rPr>
-                            <a:rPr lang="ru-RU" sz="2200" i="0" smtClean="0">
-                              <a:solidFill>
-                                <a:schemeClr val="tx1"/>
-                              </a:solidFill>
-                              <a:latin typeface="Cambria Math" panose="02040503050406030204" pitchFamily="18" charset="0"/>
-                            </a:rPr>
-                            <m:t>m</m:t>
-                          </m:r>
-                          <m:r>
-                            <m:rPr>
-                              <m:sty m:val="p"/>
-                            </m:rPr>
-                            <a:rPr lang="en-US" sz="2200" b="0" i="0" smtClean="0">
-                              <a:solidFill>
-                                <a:schemeClr val="tx1"/>
-                              </a:solidFill>
-                              <a:latin typeface="Cambria Math" panose="02040503050406030204" pitchFamily="18" charset="0"/>
-                            </a:rPr>
-                            <m:t>ean</m:t>
-                          </m:r>
-                        </m:sub>
-                        <m:sup>
-                          <m:r>
-                            <m:rPr>
-                              <m:sty m:val="p"/>
-                            </m:rPr>
-                            <a:rPr lang="en-US" sz="2200" b="0" i="0" smtClean="0">
-                              <a:solidFill>
-                                <a:schemeClr val="tx1"/>
-                              </a:solidFill>
-                              <a:latin typeface="Cambria Math" panose="02040503050406030204" pitchFamily="18" charset="0"/>
-                            </a:rPr>
-                            <m:t>k</m:t>
-                          </m:r>
-                          <m:r>
-                            <a:rPr lang="en-US" sz="2200" b="0" i="0" smtClean="0">
-                              <a:solidFill>
-                                <a:schemeClr val="tx1"/>
-                              </a:solidFill>
-                              <a:latin typeface="Cambria Math" panose="02040503050406030204" pitchFamily="18" charset="0"/>
-                            </a:rPr>
-                            <m:t>,</m:t>
-                          </m:r>
-                          <m:r>
-                            <m:rPr>
-                              <m:sty m:val="p"/>
-                            </m:rPr>
-                            <a:rPr lang="ru-RU" sz="2200" i="0" smtClean="0">
-                              <a:solidFill>
-                                <a:schemeClr val="tx1"/>
-                              </a:solidFill>
-                              <a:latin typeface="Cambria Math" panose="02040503050406030204" pitchFamily="18" charset="0"/>
-                            </a:rPr>
-                            <m:t>i</m:t>
-                          </m:r>
-                          <m:r>
-                            <a:rPr lang="en-US" sz="2200" b="0" i="0" smtClean="0">
-                              <a:solidFill>
-                                <a:schemeClr val="tx1"/>
-                              </a:solidFill>
-                              <a:latin typeface="Cambria Math" panose="02040503050406030204" pitchFamily="18" charset="0"/>
-                            </a:rPr>
-                            <m:t>,</m:t>
-                          </m:r>
-                          <m:r>
-                            <m:rPr>
-                              <m:sty m:val="p"/>
-                            </m:rPr>
-                            <a:rPr lang="en-US" sz="2200" b="0" i="0" smtClean="0">
-                              <a:solidFill>
-                                <a:schemeClr val="tx1"/>
-                              </a:solidFill>
-                              <a:latin typeface="Cambria Math" panose="02040503050406030204" pitchFamily="18" charset="0"/>
-                            </a:rPr>
-                            <m:t>j</m:t>
-                          </m:r>
-                        </m:sup>
-                      </m:sSubSup>
-                      <m:r>
-                        <a:rPr lang="ru-RU" sz="2200" i="0" smtClean="0">
-                          <a:solidFill>
-                            <a:schemeClr val="tx1"/>
-                          </a:solidFill>
-                          <a:latin typeface="Cambria Math" panose="02040503050406030204" pitchFamily="18" charset="0"/>
-                        </a:rPr>
-                        <m:t>=</m:t>
-                      </m:r>
-                      <m:f>
-                        <m:fPr>
-                          <m:ctrlPr>
-                            <a:rPr lang="ru-RU" sz="2200">
-                              <a:solidFill>
-                                <a:schemeClr val="tx1"/>
-                              </a:solidFill>
-                              <a:latin typeface="Cambria Math" panose="02040503050406030204" pitchFamily="18" charset="0"/>
-                            </a:rPr>
-                          </m:ctrlPr>
-                        </m:fPr>
-                        <m:num>
-                          <m:sSub>
-                            <m:sSubPr>
-                              <m:ctrlPr>
-                                <a:rPr lang="ru-RU" sz="2200">
-                                  <a:solidFill>
-                                    <a:schemeClr val="tx1"/>
-                                  </a:solidFill>
-                                  <a:latin typeface="Cambria Math" panose="02040503050406030204" pitchFamily="18" charset="0"/>
-                                </a:rPr>
-                              </m:ctrlPr>
-                            </m:sSubPr>
-                            <m:e>
-                              <m:r>
-                                <m:rPr>
-                                  <m:sty m:val="p"/>
-                                </m:rPr>
-                                <a:rPr lang="ru-RU" sz="2200" i="0" smtClean="0">
-                                  <a:solidFill>
-                                    <a:schemeClr val="tx1"/>
-                                  </a:solidFill>
-                                  <a:latin typeface="Cambria Math" panose="02040503050406030204" pitchFamily="18" charset="0"/>
-                                </a:rPr>
-                                <m:t>L</m:t>
-                              </m:r>
-                            </m:e>
-                            <m:sub>
-                              <m:sSub>
-                                <m:sSubPr>
-                                  <m:ctrlPr>
-                                    <a:rPr lang="ru-RU" sz="2200">
-                                      <a:solidFill>
-                                        <a:schemeClr val="tx1"/>
-                                      </a:solidFill>
-                                      <a:latin typeface="Cambria Math" panose="02040503050406030204" pitchFamily="18" charset="0"/>
-                                    </a:rPr>
-                                  </m:ctrlPr>
-                                </m:sSubPr>
-                                <m:e>
-                                  <m:r>
-                                    <m:rPr>
-                                      <m:sty m:val="p"/>
-                                    </m:rPr>
-                                    <a:rPr lang="ru-RU" sz="2200" i="0" smtClean="0">
-                                      <a:solidFill>
-                                        <a:schemeClr val="tx1"/>
-                                      </a:solidFill>
-                                      <a:latin typeface="Cambria Math" panose="02040503050406030204" pitchFamily="18" charset="0"/>
-                                    </a:rPr>
-                                    <m:t>C</m:t>
-                                  </m:r>
-                                </m:e>
-                                <m:sub>
-                                  <m:r>
-                                    <m:rPr>
-                                      <m:sty m:val="p"/>
-                                    </m:rPr>
-                                    <a:rPr lang="ru-RU" sz="2200" i="0" smtClean="0">
-                                      <a:solidFill>
-                                        <a:schemeClr val="tx1"/>
-                                      </a:solidFill>
-                                      <a:latin typeface="Cambria Math" panose="02040503050406030204" pitchFamily="18" charset="0"/>
-                                    </a:rPr>
-                                    <m:t>i</m:t>
-                                  </m:r>
-                                </m:sub>
-                              </m:sSub>
-                            </m:sub>
-                          </m:sSub>
-                          <m:r>
-                            <a:rPr lang="en-US" sz="2200" b="0" i="0" smtClean="0">
-                              <a:solidFill>
-                                <a:schemeClr val="tx1"/>
-                              </a:solidFill>
-                              <a:latin typeface="Cambria Math" panose="02040503050406030204" pitchFamily="18" charset="0"/>
-                            </a:rPr>
-                            <m:t>+</m:t>
-                          </m:r>
-                          <m:sSub>
-                            <m:sSubPr>
-                              <m:ctrlPr>
-                                <a:rPr lang="ru-RU" sz="2200" smtClean="0">
-                                  <a:solidFill>
-                                    <a:schemeClr val="tx1"/>
-                                  </a:solidFill>
-                                  <a:latin typeface="Cambria Math" panose="02040503050406030204" pitchFamily="18" charset="0"/>
-                                </a:rPr>
-                              </m:ctrlPr>
-                            </m:sSubPr>
-                            <m:e>
-                              <m:r>
-                                <m:rPr>
-                                  <m:sty m:val="p"/>
-                                </m:rPr>
-                                <a:rPr lang="en-US" sz="2200" b="0" i="0" smtClean="0">
-                                  <a:solidFill>
-                                    <a:schemeClr val="tx1"/>
-                                  </a:solidFill>
-                                  <a:latin typeface="Cambria Math" panose="02040503050406030204" pitchFamily="18" charset="0"/>
-                                </a:rPr>
-                                <m:t>R</m:t>
-                              </m:r>
-                            </m:e>
-                            <m:sub>
-                              <m:sSub>
-                                <m:sSubPr>
-                                  <m:ctrlPr>
-                                    <a:rPr lang="ru-RU" sz="2200">
-                                      <a:solidFill>
-                                        <a:schemeClr val="tx1"/>
-                                      </a:solidFill>
-                                      <a:latin typeface="Cambria Math" panose="02040503050406030204" pitchFamily="18" charset="0"/>
-                                    </a:rPr>
-                                  </m:ctrlPr>
-                                </m:sSubPr>
-                                <m:e>
-                                  <m:r>
-                                    <m:rPr>
-                                      <m:sty m:val="p"/>
-                                    </m:rPr>
-                                    <a:rPr lang="ru-RU" sz="2200" i="0" smtClean="0">
-                                      <a:solidFill>
-                                        <a:schemeClr val="tx1"/>
-                                      </a:solidFill>
-                                      <a:latin typeface="Cambria Math" panose="02040503050406030204" pitchFamily="18" charset="0"/>
-                                    </a:rPr>
-                                    <m:t>C</m:t>
-                                  </m:r>
-                                </m:e>
-                                <m:sub>
-                                  <m:r>
-                                    <m:rPr>
-                                      <m:sty m:val="p"/>
-                                    </m:rPr>
-                                    <a:rPr lang="en-US" sz="2200" b="0" i="0" smtClean="0">
-                                      <a:solidFill>
-                                        <a:schemeClr val="tx1"/>
-                                      </a:solidFill>
-                                      <a:latin typeface="Cambria Math" panose="02040503050406030204" pitchFamily="18" charset="0"/>
-                                    </a:rPr>
-                                    <m:t>j</m:t>
-                                  </m:r>
-                                </m:sub>
-                              </m:sSub>
-                            </m:sub>
-                          </m:sSub>
-                        </m:num>
-                        <m:den>
-                          <m:r>
-                            <a:rPr lang="ru-RU" sz="2200" i="0" smtClean="0">
-                              <a:solidFill>
-                                <a:schemeClr val="tx1"/>
-                              </a:solidFill>
-                              <a:latin typeface="Cambria Math" panose="02040503050406030204" pitchFamily="18" charset="0"/>
-                            </a:rPr>
-                            <m:t>2</m:t>
-                          </m:r>
-                        </m:den>
-                      </m:f>
-                    </m:oMath>
-                  </m:oMathPara>
-                </a14:m>
-                <a:endParaRPr lang="ru-RU" sz="2200">
-                  <a:solidFill>
-                    <a:schemeClr val="tx1"/>
-                  </a:solidFill>
-                </a:endParaRPr>
-              </a:p>
-              <a:p>
-                <a:pPr marL="0" indent="0">
-                  <a:buNone/>
-                </a:pPr>
-                <a:endParaRPr lang="ru-RU" sz="2200">
-                  <a:solidFill>
-                    <a:schemeClr val="tx1"/>
-                  </a:solidFill>
-                </a:endParaRPr>
-              </a:p>
-              <a:p>
-                <a:pPr marL="0" indent="0">
-                  <a:buNone/>
-                </a:pPr>
-                <a:r>
-                  <a:rPr lang="en-US" sz="2200" b="1">
-                    <a:solidFill>
-                      <a:schemeClr val="tx1"/>
-                    </a:solidFill>
-                  </a:rPr>
-                  <a:t>- Geometric mean:</a:t>
-                </a:r>
-              </a:p>
-              <a:p>
-                <a:pPr marL="0" indent="0">
-                  <a:buNone/>
-                </a:pPr>
-                <a:endParaRPr lang="en-US" sz="2200">
-                  <a:solidFill>
-                    <a:schemeClr val="tx1"/>
-                  </a:solidFill>
-                </a:endParaRPr>
-              </a:p>
-              <a:p>
-                <a:pPr marL="0" indent="0">
-                  <a:buNone/>
-                </a:pPr>
-                <a14:m>
-                  <m:oMath xmlns:m="http://schemas.openxmlformats.org/officeDocument/2006/math">
-                    <m:r>
-                      <m:rPr>
-                        <m:sty m:val="p"/>
-                      </m:rPr>
-                      <a:rPr lang="ru-RU" sz="2200" i="0" smtClean="0">
-                        <a:solidFill>
-                          <a:schemeClr val="tx1"/>
-                        </a:solidFill>
-                        <a:latin typeface="Cambria Math" panose="02040503050406030204" pitchFamily="18" charset="0"/>
-                      </a:rPr>
-                      <m:t>L</m:t>
-                    </m:r>
-                    <m:sSubSup>
-                      <m:sSubSupPr>
-                        <m:ctrlPr>
-                          <a:rPr lang="ru-RU" sz="2200">
-                            <a:solidFill>
-                              <a:schemeClr val="tx1"/>
-                            </a:solidFill>
-                            <a:latin typeface="Cambria Math" panose="02040503050406030204" pitchFamily="18" charset="0"/>
-                          </a:rPr>
-                        </m:ctrlPr>
-                      </m:sSubSupPr>
-                      <m:e>
-                        <m:r>
-                          <m:rPr>
-                            <m:sty m:val="p"/>
-                          </m:rPr>
-                          <a:rPr lang="ru-RU" sz="2200" i="0" smtClean="0">
-                            <a:solidFill>
-                              <a:schemeClr val="tx1"/>
-                            </a:solidFill>
-                            <a:latin typeface="Cambria Math" panose="02040503050406030204" pitchFamily="18" charset="0"/>
-                          </a:rPr>
-                          <m:t>R</m:t>
-                        </m:r>
-                      </m:e>
-                      <m:sub>
-                        <m:r>
-                          <m:rPr>
-                            <m:sty m:val="p"/>
-                          </m:rPr>
-                          <a:rPr lang="en-US" sz="2200" b="0" i="0" smtClean="0">
-                            <a:solidFill>
-                              <a:schemeClr val="tx1"/>
-                            </a:solidFill>
-                            <a:latin typeface="Cambria Math" panose="02040503050406030204" pitchFamily="18" charset="0"/>
-                          </a:rPr>
-                          <m:t>g</m:t>
-                        </m:r>
-                        <m:r>
-                          <m:rPr>
-                            <m:sty m:val="p"/>
-                          </m:rPr>
-                          <a:rPr lang="ru-RU" sz="2200" i="0" smtClean="0">
-                            <a:solidFill>
-                              <a:schemeClr val="tx1"/>
-                            </a:solidFill>
-                            <a:latin typeface="Cambria Math" panose="02040503050406030204" pitchFamily="18" charset="0"/>
-                          </a:rPr>
-                          <m:t>m</m:t>
-                        </m:r>
-                        <m:r>
-                          <m:rPr>
-                            <m:sty m:val="p"/>
-                          </m:rPr>
-                          <a:rPr lang="en-US" sz="2200" b="0" i="0" smtClean="0">
-                            <a:solidFill>
-                              <a:schemeClr val="tx1"/>
-                            </a:solidFill>
-                            <a:latin typeface="Cambria Math" panose="02040503050406030204" pitchFamily="18" charset="0"/>
-                          </a:rPr>
-                          <m:t>ean</m:t>
-                        </m:r>
-                      </m:sub>
-                      <m:sup>
-                        <m:r>
-                          <m:rPr>
-                            <m:sty m:val="p"/>
-                          </m:rPr>
-                          <a:rPr lang="en-US" sz="2200" b="0" i="0" smtClean="0">
-                            <a:solidFill>
-                              <a:schemeClr val="tx1"/>
-                            </a:solidFill>
-                            <a:latin typeface="Cambria Math" panose="02040503050406030204" pitchFamily="18" charset="0"/>
-                          </a:rPr>
-                          <m:t>k</m:t>
-                        </m:r>
-                        <m:r>
-                          <a:rPr lang="en-US" sz="2200" b="0" i="0" smtClean="0">
-                            <a:solidFill>
-                              <a:schemeClr val="tx1"/>
-                            </a:solidFill>
-                            <a:latin typeface="Cambria Math" panose="02040503050406030204" pitchFamily="18" charset="0"/>
-                          </a:rPr>
-                          <m:t>,</m:t>
-                        </m:r>
-                        <m:r>
-                          <m:rPr>
-                            <m:sty m:val="p"/>
-                          </m:rPr>
-                          <a:rPr lang="ru-RU" sz="2200" i="0" smtClean="0">
-                            <a:solidFill>
-                              <a:schemeClr val="tx1"/>
-                            </a:solidFill>
-                            <a:latin typeface="Cambria Math" panose="02040503050406030204" pitchFamily="18" charset="0"/>
-                          </a:rPr>
-                          <m:t>i</m:t>
-                        </m:r>
-                        <m:r>
-                          <a:rPr lang="en-US" sz="2200" b="0" i="0" smtClean="0">
-                            <a:solidFill>
-                              <a:schemeClr val="tx1"/>
-                            </a:solidFill>
-                            <a:latin typeface="Cambria Math" panose="02040503050406030204" pitchFamily="18" charset="0"/>
-                          </a:rPr>
-                          <m:t>,</m:t>
-                        </m:r>
-                        <m:r>
-                          <m:rPr>
-                            <m:sty m:val="p"/>
-                          </m:rPr>
-                          <a:rPr lang="en-US" sz="2200" b="0" i="0" smtClean="0">
-                            <a:solidFill>
-                              <a:schemeClr val="tx1"/>
-                            </a:solidFill>
-                            <a:latin typeface="Cambria Math" panose="02040503050406030204" pitchFamily="18" charset="0"/>
-                          </a:rPr>
-                          <m:t>j</m:t>
-                        </m:r>
-                      </m:sup>
-                    </m:sSubSup>
-                    <m:r>
-                      <a:rPr lang="ru-RU" sz="2200" i="0" smtClean="0">
-                        <a:solidFill>
-                          <a:schemeClr val="tx1"/>
-                        </a:solidFill>
-                        <a:latin typeface="Cambria Math" panose="02040503050406030204" pitchFamily="18" charset="0"/>
-                      </a:rPr>
-                      <m:t>=</m:t>
-                    </m:r>
-                  </m:oMath>
-                </a14:m>
-                <a:r>
-                  <a:rPr lang="en-US" sz="2200">
-                    <a:solidFill>
-                      <a:schemeClr val="tx1"/>
-                    </a:solidFill>
-                  </a:rPr>
-                  <a:t> </a:t>
-                </a:r>
-                <a14:m>
-                  <m:oMath xmlns:m="http://schemas.openxmlformats.org/officeDocument/2006/math">
-                    <m:rad>
-                      <m:radPr>
-                        <m:degHide m:val="on"/>
-                        <m:ctrlPr>
-                          <a:rPr lang="ru-RU" sz="2200" smtClean="0">
-                            <a:solidFill>
-                              <a:schemeClr val="tx1"/>
-                            </a:solidFill>
-                            <a:latin typeface="Cambria Math" panose="02040503050406030204" pitchFamily="18" charset="0"/>
-                          </a:rPr>
-                        </m:ctrlPr>
-                      </m:radPr>
-                      <m:deg/>
-                      <m:e>
-                        <m:sSub>
-                          <m:sSubPr>
-                            <m:ctrlPr>
-                              <a:rPr lang="ru-RU" sz="2200" smtClean="0">
-                                <a:solidFill>
-                                  <a:schemeClr val="tx1"/>
-                                </a:solidFill>
-                                <a:latin typeface="Cambria Math" panose="02040503050406030204" pitchFamily="18" charset="0"/>
-                              </a:rPr>
-                            </m:ctrlPr>
-                          </m:sSubPr>
-                          <m:e>
-                            <m:r>
-                              <m:rPr>
-                                <m:sty m:val="p"/>
-                              </m:rPr>
-                              <a:rPr lang="ru-RU" sz="2200" i="0" smtClean="0">
-                                <a:solidFill>
-                                  <a:schemeClr val="tx1"/>
-                                </a:solidFill>
-                                <a:latin typeface="Cambria Math" panose="02040503050406030204" pitchFamily="18" charset="0"/>
-                              </a:rPr>
-                              <m:t>L</m:t>
-                            </m:r>
-                          </m:e>
-                          <m:sub>
-                            <m:sSub>
-                              <m:sSubPr>
-                                <m:ctrlPr>
-                                  <a:rPr lang="ru-RU" sz="2200">
-                                    <a:solidFill>
-                                      <a:schemeClr val="tx1"/>
-                                    </a:solidFill>
-                                    <a:latin typeface="Cambria Math" panose="02040503050406030204" pitchFamily="18" charset="0"/>
-                                  </a:rPr>
-                                </m:ctrlPr>
-                              </m:sSubPr>
-                              <m:e>
-                                <m:r>
-                                  <m:rPr>
-                                    <m:sty m:val="p"/>
-                                  </m:rPr>
-                                  <a:rPr lang="ru-RU" sz="2200" i="0" smtClean="0">
-                                    <a:solidFill>
-                                      <a:schemeClr val="tx1"/>
-                                    </a:solidFill>
-                                    <a:latin typeface="Cambria Math" panose="02040503050406030204" pitchFamily="18" charset="0"/>
-                                  </a:rPr>
-                                  <m:t>C</m:t>
-                                </m:r>
-                              </m:e>
-                              <m:sub>
-                                <m:r>
-                                  <m:rPr>
-                                    <m:sty m:val="p"/>
-                                  </m:rPr>
-                                  <a:rPr lang="ru-RU" sz="2200" i="0" smtClean="0">
-                                    <a:solidFill>
-                                      <a:schemeClr val="tx1"/>
-                                    </a:solidFill>
-                                    <a:latin typeface="Cambria Math" panose="02040503050406030204" pitchFamily="18" charset="0"/>
-                                  </a:rPr>
-                                  <m:t>i</m:t>
-                                </m:r>
-                              </m:sub>
-                            </m:sSub>
-                          </m:sub>
-                        </m:sSub>
-                        <m:r>
-                          <a:rPr lang="en-US" sz="2200" b="0" i="0" smtClean="0">
-                            <a:solidFill>
-                              <a:schemeClr val="tx1"/>
-                            </a:solidFill>
-                            <a:latin typeface="Cambria Math" panose="02040503050406030204" pitchFamily="18" charset="0"/>
-                          </a:rPr>
-                          <m:t>+</m:t>
-                        </m:r>
-                        <m:sSub>
-                          <m:sSubPr>
-                            <m:ctrlPr>
-                              <a:rPr lang="ru-RU" sz="2200" smtClean="0">
-                                <a:solidFill>
-                                  <a:schemeClr val="tx1"/>
-                                </a:solidFill>
-                                <a:latin typeface="Cambria Math" panose="02040503050406030204" pitchFamily="18" charset="0"/>
-                              </a:rPr>
-                            </m:ctrlPr>
-                          </m:sSubPr>
-                          <m:e>
-                            <m:r>
-                              <m:rPr>
-                                <m:sty m:val="p"/>
-                              </m:rPr>
-                              <a:rPr lang="en-US" sz="2200" b="0" i="0" smtClean="0">
-                                <a:solidFill>
-                                  <a:schemeClr val="tx1"/>
-                                </a:solidFill>
-                                <a:latin typeface="Cambria Math" panose="02040503050406030204" pitchFamily="18" charset="0"/>
-                              </a:rPr>
-                              <m:t>R</m:t>
-                            </m:r>
-                          </m:e>
-                          <m:sub>
-                            <m:sSub>
-                              <m:sSubPr>
-                                <m:ctrlPr>
-                                  <a:rPr lang="ru-RU" sz="2200">
-                                    <a:solidFill>
-                                      <a:schemeClr val="tx1"/>
-                                    </a:solidFill>
-                                    <a:latin typeface="Cambria Math" panose="02040503050406030204" pitchFamily="18" charset="0"/>
-                                  </a:rPr>
-                                </m:ctrlPr>
-                              </m:sSubPr>
-                              <m:e>
-                                <m:r>
-                                  <m:rPr>
-                                    <m:sty m:val="p"/>
-                                  </m:rPr>
-                                  <a:rPr lang="ru-RU" sz="2200" i="0" smtClean="0">
-                                    <a:solidFill>
-                                      <a:schemeClr val="tx1"/>
-                                    </a:solidFill>
-                                    <a:latin typeface="Cambria Math" panose="02040503050406030204" pitchFamily="18" charset="0"/>
-                                  </a:rPr>
-                                  <m:t>C</m:t>
-                                </m:r>
-                              </m:e>
-                              <m:sub>
-                                <m:r>
-                                  <m:rPr>
-                                    <m:sty m:val="p"/>
-                                  </m:rPr>
-                                  <a:rPr lang="en-US" sz="2200" b="0" i="0" smtClean="0">
-                                    <a:solidFill>
-                                      <a:schemeClr val="tx1"/>
-                                    </a:solidFill>
-                                    <a:latin typeface="Cambria Math" panose="02040503050406030204" pitchFamily="18" charset="0"/>
-                                  </a:rPr>
-                                  <m:t>j</m:t>
-                                </m:r>
-                              </m:sub>
-                            </m:sSub>
-                          </m:sub>
-                        </m:sSub>
-                      </m:e>
-                    </m:rad>
-                  </m:oMath>
-                </a14:m>
-                <a:endParaRPr lang="en-US" sz="2200">
-                  <a:solidFill>
-                    <a:schemeClr val="tx1"/>
-                  </a:solidFill>
-                </a:endParaRPr>
-              </a:p>
-              <a:p>
-                <a:pPr marL="0" indent="0">
-                  <a:buNone/>
-                </a:pPr>
-                <a:endParaRPr lang="en-US" sz="2200">
-                  <a:solidFill>
-                    <a:schemeClr val="tx1"/>
-                  </a:solidFill>
-                </a:endParaRPr>
-              </a:p>
-              <a:p>
-                <a:pPr marL="0" indent="0">
-                  <a:buNone/>
-                </a:pPr>
-                <a:r>
-                  <a:rPr lang="en-US" sz="2200" b="1">
-                    <a:solidFill>
-                      <a:schemeClr val="tx1"/>
-                    </a:solidFill>
-                  </a:rPr>
-                  <a:t>- CellChat:</a:t>
-                </a:r>
-              </a:p>
-              <a:p>
-                <a:pPr marL="0" indent="0">
-                  <a:buNone/>
-                </a:pPr>
-                <a:endParaRPr lang="en-US" sz="2200">
-                  <a:solidFill>
-                    <a:schemeClr val="tx1"/>
-                  </a:solidFill>
-                </a:endParaRPr>
-              </a:p>
-              <a:p>
-                <a:pPr marL="0" indent="0">
-                  <a:buNone/>
-                </a:pPr>
-                <a14:m>
-                  <m:oMathPara xmlns:m="http://schemas.openxmlformats.org/officeDocument/2006/math">
-                    <m:oMathParaPr>
-                      <m:jc m:val="left"/>
-                    </m:oMathParaPr>
-                    <m:oMath xmlns:m="http://schemas.openxmlformats.org/officeDocument/2006/math">
-                      <m:r>
-                        <m:rPr>
-                          <m:sty m:val="p"/>
-                        </m:rPr>
-                        <a:rPr lang="ru-RU" sz="2200" i="0" smtClean="0">
-                          <a:solidFill>
-                            <a:schemeClr val="tx1"/>
-                          </a:solidFill>
-                          <a:latin typeface="Cambria Math" panose="02040503050406030204" pitchFamily="18" charset="0"/>
-                        </a:rPr>
-                        <m:t>L</m:t>
-                      </m:r>
-                      <m:sSubSup>
-                        <m:sSubSupPr>
-                          <m:ctrlPr>
-                            <a:rPr lang="ru-RU" sz="2200">
-                              <a:solidFill>
-                                <a:schemeClr val="tx1"/>
-                              </a:solidFill>
-                              <a:latin typeface="Cambria Math" panose="02040503050406030204" pitchFamily="18" charset="0"/>
-                            </a:rPr>
-                          </m:ctrlPr>
-                        </m:sSubSupPr>
-                        <m:e>
-                          <m:r>
-                            <m:rPr>
-                              <m:sty m:val="p"/>
-                            </m:rPr>
-                            <a:rPr lang="ru-RU" sz="2200" i="0" smtClean="0">
-                              <a:solidFill>
-                                <a:schemeClr val="tx1"/>
-                              </a:solidFill>
-                              <a:latin typeface="Cambria Math" panose="02040503050406030204" pitchFamily="18" charset="0"/>
-                            </a:rPr>
-                            <m:t>R</m:t>
-                          </m:r>
-                        </m:e>
-                        <m:sub>
-                          <m:r>
-                            <m:rPr>
-                              <m:sty m:val="p"/>
-                            </m:rPr>
-                            <a:rPr lang="en-US" sz="2200" b="0" i="0" smtClean="0">
-                              <a:solidFill>
-                                <a:schemeClr val="tx1"/>
-                              </a:solidFill>
-                              <a:latin typeface="Cambria Math" panose="02040503050406030204" pitchFamily="18" charset="0"/>
-                            </a:rPr>
-                            <m:t>prob</m:t>
-                          </m:r>
-                        </m:sub>
-                        <m:sup>
-                          <m:r>
-                            <m:rPr>
-                              <m:sty m:val="p"/>
-                            </m:rPr>
-                            <a:rPr lang="en-US" sz="2200" b="0" i="0" smtClean="0">
-                              <a:solidFill>
-                                <a:schemeClr val="tx1"/>
-                              </a:solidFill>
-                              <a:latin typeface="Cambria Math" panose="02040503050406030204" pitchFamily="18" charset="0"/>
-                            </a:rPr>
-                            <m:t>k</m:t>
-                          </m:r>
-                          <m:r>
-                            <a:rPr lang="en-US" sz="2200" b="0" i="0" smtClean="0">
-                              <a:solidFill>
-                                <a:schemeClr val="tx1"/>
-                              </a:solidFill>
-                              <a:latin typeface="Cambria Math" panose="02040503050406030204" pitchFamily="18" charset="0"/>
-                            </a:rPr>
-                            <m:t>,</m:t>
-                          </m:r>
-                          <m:r>
-                            <m:rPr>
-                              <m:sty m:val="p"/>
-                            </m:rPr>
-                            <a:rPr lang="ru-RU" sz="2200" i="0" smtClean="0">
-                              <a:solidFill>
-                                <a:schemeClr val="tx1"/>
-                              </a:solidFill>
-                              <a:latin typeface="Cambria Math" panose="02040503050406030204" pitchFamily="18" charset="0"/>
-                            </a:rPr>
-                            <m:t>i</m:t>
-                          </m:r>
-                          <m:r>
-                            <a:rPr lang="en-US" sz="2200" b="0" i="0" smtClean="0">
-                              <a:solidFill>
-                                <a:schemeClr val="tx1"/>
-                              </a:solidFill>
-                              <a:latin typeface="Cambria Math" panose="02040503050406030204" pitchFamily="18" charset="0"/>
-                            </a:rPr>
-                            <m:t>,</m:t>
-                          </m:r>
-                          <m:r>
-                            <m:rPr>
-                              <m:sty m:val="p"/>
-                            </m:rPr>
-                            <a:rPr lang="en-US" sz="2200" b="0" i="0" smtClean="0">
-                              <a:solidFill>
-                                <a:schemeClr val="tx1"/>
-                              </a:solidFill>
-                              <a:latin typeface="Cambria Math" panose="02040503050406030204" pitchFamily="18" charset="0"/>
-                            </a:rPr>
-                            <m:t>j</m:t>
-                          </m:r>
-                        </m:sup>
-                      </m:sSubSup>
-                      <m:r>
-                        <a:rPr lang="ru-RU" sz="2200" i="0" smtClean="0">
-                          <a:solidFill>
-                            <a:schemeClr val="tx1"/>
-                          </a:solidFill>
-                          <a:latin typeface="Cambria Math" panose="02040503050406030204" pitchFamily="18" charset="0"/>
-                        </a:rPr>
-                        <m:t>=</m:t>
-                      </m:r>
-                      <m:f>
-                        <m:fPr>
-                          <m:ctrlPr>
-                            <a:rPr lang="ru-RU" sz="2200">
-                              <a:solidFill>
-                                <a:schemeClr val="tx1"/>
-                              </a:solidFill>
-                              <a:latin typeface="Cambria Math" panose="02040503050406030204" pitchFamily="18" charset="0"/>
-                            </a:rPr>
-                          </m:ctrlPr>
-                        </m:fPr>
-                        <m:num>
-                          <m:sSub>
-                            <m:sSubPr>
-                              <m:ctrlPr>
-                                <a:rPr lang="ru-RU" sz="2200">
-                                  <a:solidFill>
-                                    <a:schemeClr val="tx1"/>
-                                  </a:solidFill>
-                                  <a:latin typeface="Cambria Math" panose="02040503050406030204" pitchFamily="18" charset="0"/>
-                                </a:rPr>
-                              </m:ctrlPr>
-                            </m:sSubPr>
-                            <m:e>
-                              <m:r>
-                                <m:rPr>
-                                  <m:sty m:val="p"/>
-                                </m:rPr>
-                                <a:rPr lang="ru-RU" sz="2200" i="0" smtClean="0">
-                                  <a:solidFill>
-                                    <a:schemeClr val="tx1"/>
-                                  </a:solidFill>
-                                  <a:latin typeface="Cambria Math" panose="02040503050406030204" pitchFamily="18" charset="0"/>
-                                </a:rPr>
-                                <m:t>L</m:t>
-                              </m:r>
-                            </m:e>
-                            <m:sub>
-                              <m:sSub>
-                                <m:sSubPr>
-                                  <m:ctrlPr>
-                                    <a:rPr lang="ru-RU" sz="2200">
-                                      <a:solidFill>
-                                        <a:schemeClr val="tx1"/>
-                                      </a:solidFill>
-                                      <a:latin typeface="Cambria Math" panose="02040503050406030204" pitchFamily="18" charset="0"/>
-                                    </a:rPr>
-                                  </m:ctrlPr>
-                                </m:sSubPr>
-                                <m:e>
-                                  <m:r>
-                                    <m:rPr>
-                                      <m:sty m:val="p"/>
-                                    </m:rPr>
-                                    <a:rPr lang="ru-RU" sz="2200" i="0" smtClean="0">
-                                      <a:solidFill>
-                                        <a:schemeClr val="tx1"/>
-                                      </a:solidFill>
-                                      <a:latin typeface="Cambria Math" panose="02040503050406030204" pitchFamily="18" charset="0"/>
-                                    </a:rPr>
-                                    <m:t>C</m:t>
-                                  </m:r>
-                                </m:e>
-                                <m:sub>
-                                  <m:r>
-                                    <m:rPr>
-                                      <m:sty m:val="p"/>
-                                    </m:rPr>
-                                    <a:rPr lang="ru-RU" sz="2200" i="0" smtClean="0">
-                                      <a:solidFill>
-                                        <a:schemeClr val="tx1"/>
-                                      </a:solidFill>
-                                      <a:latin typeface="Cambria Math" panose="02040503050406030204" pitchFamily="18" charset="0"/>
-                                    </a:rPr>
-                                    <m:t>i</m:t>
-                                  </m:r>
-                                </m:sub>
-                              </m:sSub>
-                            </m:sub>
-                          </m:sSub>
-                          <m:r>
-                            <a:rPr lang="en-US" sz="2200" b="0" i="0" smtClean="0">
-                              <a:solidFill>
-                                <a:schemeClr val="tx1"/>
-                              </a:solidFill>
-                              <a:latin typeface="Cambria Math" panose="02040503050406030204" pitchFamily="18" charset="0"/>
-                            </a:rPr>
-                            <m:t>+</m:t>
-                          </m:r>
-                          <m:sSub>
-                            <m:sSubPr>
-                              <m:ctrlPr>
-                                <a:rPr lang="ru-RU" sz="2200" smtClean="0">
-                                  <a:solidFill>
-                                    <a:schemeClr val="tx1"/>
-                                  </a:solidFill>
-                                  <a:latin typeface="Cambria Math" panose="02040503050406030204" pitchFamily="18" charset="0"/>
-                                </a:rPr>
-                              </m:ctrlPr>
-                            </m:sSubPr>
-                            <m:e>
-                              <m:r>
-                                <m:rPr>
-                                  <m:sty m:val="p"/>
-                                </m:rPr>
-                                <a:rPr lang="en-US" sz="2200" b="0" i="0" smtClean="0">
-                                  <a:solidFill>
-                                    <a:schemeClr val="tx1"/>
-                                  </a:solidFill>
-                                  <a:latin typeface="Cambria Math" panose="02040503050406030204" pitchFamily="18" charset="0"/>
-                                </a:rPr>
-                                <m:t>R</m:t>
-                              </m:r>
-                            </m:e>
-                            <m:sub>
-                              <m:sSub>
-                                <m:sSubPr>
-                                  <m:ctrlPr>
-                                    <a:rPr lang="ru-RU" sz="2200">
-                                      <a:solidFill>
-                                        <a:schemeClr val="tx1"/>
-                                      </a:solidFill>
-                                      <a:latin typeface="Cambria Math" panose="02040503050406030204" pitchFamily="18" charset="0"/>
-                                    </a:rPr>
-                                  </m:ctrlPr>
-                                </m:sSubPr>
-                                <m:e>
-                                  <m:r>
-                                    <m:rPr>
-                                      <m:sty m:val="p"/>
-                                    </m:rPr>
-                                    <a:rPr lang="ru-RU" sz="2200" i="0" smtClean="0">
-                                      <a:solidFill>
-                                        <a:schemeClr val="tx1"/>
-                                      </a:solidFill>
-                                      <a:latin typeface="Cambria Math" panose="02040503050406030204" pitchFamily="18" charset="0"/>
-                                    </a:rPr>
-                                    <m:t>C</m:t>
-                                  </m:r>
-                                </m:e>
-                                <m:sub>
-                                  <m:r>
-                                    <m:rPr>
-                                      <m:sty m:val="p"/>
-                                    </m:rPr>
-                                    <a:rPr lang="en-US" sz="2200" b="0" i="0" smtClean="0">
-                                      <a:solidFill>
-                                        <a:schemeClr val="tx1"/>
-                                      </a:solidFill>
-                                      <a:latin typeface="Cambria Math" panose="02040503050406030204" pitchFamily="18" charset="0"/>
-                                    </a:rPr>
-                                    <m:t>j</m:t>
-                                  </m:r>
-                                </m:sub>
-                              </m:sSub>
-                            </m:sub>
-                          </m:sSub>
-                        </m:num>
-                        <m:den>
-                          <m:sSub>
-                            <m:sSubPr>
-                              <m:ctrlPr>
-                                <a:rPr lang="ru-RU" sz="2200" smtClean="0">
-                                  <a:solidFill>
-                                    <a:schemeClr val="tx1"/>
-                                  </a:solidFill>
-                                  <a:latin typeface="Cambria Math" panose="02040503050406030204" pitchFamily="18" charset="0"/>
-                                </a:rPr>
-                              </m:ctrlPr>
-                            </m:sSubPr>
-                            <m:e>
-                              <m:r>
-                                <m:rPr>
-                                  <m:sty m:val="p"/>
-                                </m:rPr>
-                                <a:rPr lang="en-US" sz="2200" b="0" i="0" smtClean="0">
-                                  <a:solidFill>
-                                    <a:schemeClr val="tx1"/>
-                                  </a:solidFill>
-                                  <a:latin typeface="Cambria Math" panose="02040503050406030204" pitchFamily="18" charset="0"/>
-                                </a:rPr>
-                                <m:t>K</m:t>
-                              </m:r>
-                            </m:e>
-                            <m:sub>
-                              <m:r>
-                                <m:rPr>
-                                  <m:sty m:val="p"/>
-                                </m:rPr>
-                                <a:rPr lang="en-US" sz="2200" b="0" i="0" smtClean="0">
-                                  <a:solidFill>
-                                    <a:schemeClr val="tx1"/>
-                                  </a:solidFill>
-                                  <a:latin typeface="Cambria Math" panose="02040503050406030204" pitchFamily="18" charset="0"/>
-                                </a:rPr>
-                                <m:t>h</m:t>
-                              </m:r>
-                              <m:r>
-                                <a:rPr lang="en-US" sz="2200" b="0" i="0" smtClean="0">
-                                  <a:solidFill>
-                                    <a:schemeClr val="tx1"/>
-                                  </a:solidFill>
-                                  <a:latin typeface="Cambria Math" panose="02040503050406030204" pitchFamily="18" charset="0"/>
-                                </a:rPr>
-                                <m:t> </m:t>
-                              </m:r>
-                            </m:sub>
-                          </m:sSub>
-                          <m:r>
-                            <a:rPr lang="en-US" sz="2200" b="0" i="0" smtClean="0">
-                              <a:solidFill>
-                                <a:schemeClr val="tx1"/>
-                              </a:solidFill>
-                              <a:latin typeface="Cambria Math" panose="02040503050406030204" pitchFamily="18" charset="0"/>
-                            </a:rPr>
-                            <m:t>+</m:t>
-                          </m:r>
-                          <m:sSub>
-                            <m:sSubPr>
-                              <m:ctrlPr>
-                                <a:rPr lang="ru-RU" sz="2200" smtClean="0">
-                                  <a:solidFill>
-                                    <a:schemeClr val="tx1"/>
-                                  </a:solidFill>
-                                  <a:latin typeface="Cambria Math" panose="02040503050406030204" pitchFamily="18" charset="0"/>
-                                </a:rPr>
-                              </m:ctrlPr>
-                            </m:sSubPr>
-                            <m:e>
-                              <m:r>
-                                <m:rPr>
-                                  <m:sty m:val="p"/>
-                                </m:rPr>
-                                <a:rPr lang="ru-RU" sz="2200" i="0" smtClean="0">
-                                  <a:solidFill>
-                                    <a:schemeClr val="tx1"/>
-                                  </a:solidFill>
-                                  <a:latin typeface="Cambria Math" panose="02040503050406030204" pitchFamily="18" charset="0"/>
-                                </a:rPr>
-                                <m:t>L</m:t>
-                              </m:r>
-                            </m:e>
-                            <m:sub>
-                              <m:sSub>
-                                <m:sSubPr>
-                                  <m:ctrlPr>
-                                    <a:rPr lang="ru-RU" sz="2200">
-                                      <a:solidFill>
-                                        <a:schemeClr val="tx1"/>
-                                      </a:solidFill>
-                                      <a:latin typeface="Cambria Math" panose="02040503050406030204" pitchFamily="18" charset="0"/>
-                                    </a:rPr>
-                                  </m:ctrlPr>
-                                </m:sSubPr>
-                                <m:e>
-                                  <m:r>
-                                    <m:rPr>
-                                      <m:sty m:val="p"/>
-                                    </m:rPr>
-                                    <a:rPr lang="ru-RU" sz="2200" i="0" smtClean="0">
-                                      <a:solidFill>
-                                        <a:schemeClr val="tx1"/>
-                                      </a:solidFill>
-                                      <a:latin typeface="Cambria Math" panose="02040503050406030204" pitchFamily="18" charset="0"/>
-                                    </a:rPr>
-                                    <m:t>C</m:t>
-                                  </m:r>
-                                </m:e>
-                                <m:sub>
-                                  <m:r>
-                                    <m:rPr>
-                                      <m:sty m:val="p"/>
-                                    </m:rPr>
-                                    <a:rPr lang="ru-RU" sz="2200" i="0" smtClean="0">
-                                      <a:solidFill>
-                                        <a:schemeClr val="tx1"/>
-                                      </a:solidFill>
-                                      <a:latin typeface="Cambria Math" panose="02040503050406030204" pitchFamily="18" charset="0"/>
-                                    </a:rPr>
-                                    <m:t>i</m:t>
-                                  </m:r>
-                                </m:sub>
-                              </m:sSub>
-                            </m:sub>
-                          </m:sSub>
-                          <m:r>
-                            <a:rPr lang="en-US" sz="2200" b="0" i="0" smtClean="0">
-                              <a:solidFill>
-                                <a:schemeClr val="tx1"/>
-                              </a:solidFill>
-                              <a:latin typeface="Cambria Math" panose="02040503050406030204" pitchFamily="18" charset="0"/>
-                            </a:rPr>
-                            <m:t> ∗</m:t>
-                          </m:r>
-                          <m:sSub>
-                            <m:sSubPr>
-                              <m:ctrlPr>
-                                <a:rPr lang="ru-RU" sz="2200" smtClean="0">
-                                  <a:solidFill>
-                                    <a:schemeClr val="tx1"/>
-                                  </a:solidFill>
-                                  <a:latin typeface="Cambria Math" panose="02040503050406030204" pitchFamily="18" charset="0"/>
-                                </a:rPr>
-                              </m:ctrlPr>
-                            </m:sSubPr>
-                            <m:e>
-                              <m:r>
-                                <m:rPr>
-                                  <m:sty m:val="p"/>
-                                </m:rPr>
-                                <a:rPr lang="en-US" sz="2200" b="0" i="0" smtClean="0">
-                                  <a:solidFill>
-                                    <a:schemeClr val="tx1"/>
-                                  </a:solidFill>
-                                  <a:latin typeface="Cambria Math" panose="02040503050406030204" pitchFamily="18" charset="0"/>
-                                </a:rPr>
-                                <m:t>R</m:t>
-                              </m:r>
-                            </m:e>
-                            <m:sub>
-                              <m:sSub>
-                                <m:sSubPr>
-                                  <m:ctrlPr>
-                                    <a:rPr lang="ru-RU" sz="2200">
-                                      <a:solidFill>
-                                        <a:schemeClr val="tx1"/>
-                                      </a:solidFill>
-                                      <a:latin typeface="Cambria Math" panose="02040503050406030204" pitchFamily="18" charset="0"/>
-                                    </a:rPr>
-                                  </m:ctrlPr>
-                                </m:sSubPr>
-                                <m:e>
-                                  <m:r>
-                                    <m:rPr>
-                                      <m:sty m:val="p"/>
-                                    </m:rPr>
-                                    <a:rPr lang="ru-RU" sz="2200" i="0" smtClean="0">
-                                      <a:solidFill>
-                                        <a:schemeClr val="tx1"/>
-                                      </a:solidFill>
-                                      <a:latin typeface="Cambria Math" panose="02040503050406030204" pitchFamily="18" charset="0"/>
-                                    </a:rPr>
-                                    <m:t>C</m:t>
-                                  </m:r>
-                                </m:e>
-                                <m:sub>
-                                  <m:r>
-                                    <m:rPr>
-                                      <m:sty m:val="p"/>
-                                    </m:rPr>
-                                    <a:rPr lang="en-US" sz="2200" b="0" i="0" smtClean="0">
-                                      <a:solidFill>
-                                        <a:schemeClr val="tx1"/>
-                                      </a:solidFill>
-                                      <a:latin typeface="Cambria Math" panose="02040503050406030204" pitchFamily="18" charset="0"/>
-                                    </a:rPr>
-                                    <m:t>j</m:t>
-                                  </m:r>
-                                </m:sub>
-                              </m:sSub>
-                            </m:sub>
-                          </m:sSub>
-                        </m:den>
-                      </m:f>
-                    </m:oMath>
-                  </m:oMathPara>
-                </a14:m>
-                <a:endParaRPr lang="ru-RU" sz="2200">
-                  <a:solidFill>
-                    <a:schemeClr val="tx1"/>
-                  </a:solidFill>
-                </a:endParaRPr>
-              </a:p>
-              <a:p>
-                <a:pPr marL="0" indent="0">
-                  <a:buNone/>
-                </a:pPr>
-                <a:endParaRPr lang="ru-RU" sz="2000"/>
-              </a:p>
-            </p:txBody>
-          </p:sp>
-        </mc:Choice>
-        <mc:Fallback>
-          <p:sp>
-            <p:nvSpPr>
-              <p:cNvPr id="3" name="Объект 2">
-                <a:extLst>
-                  <a:ext uri="{FF2B5EF4-FFF2-40B4-BE49-F238E27FC236}">
-                    <a16:creationId xmlns:a16="http://schemas.microsoft.com/office/drawing/2014/main" id="{7ED17B23-5838-4B18-9E5C-BA320B2AC141}"/>
-                  </a:ext>
-                </a:extLst>
-              </p:cNvPr>
-              <p:cNvSpPr>
-                <a:spLocks noGrp="1" noRot="1" noChangeAspect="1" noMove="1" noResize="1" noEditPoints="1" noAdjustHandles="1" noChangeArrowheads="1" noChangeShapeType="1" noTextEdit="1"/>
-              </p:cNvSpPr>
-              <p:nvPr>
-                <p:ph idx="1"/>
-              </p:nvPr>
-            </p:nvSpPr>
-            <p:spPr>
-              <a:blipFill>
-                <a:blip r:embed="rId2"/>
-                <a:stretch>
-                  <a:fillRect l="-580" t="-2381"/>
-                </a:stretch>
-              </a:blipFill>
-            </p:spPr>
-            <p:txBody>
-              <a:bodyPr/>
-              <a:lstStyle/>
-              <a:p>
-                <a:r>
-                  <a:rPr lang="ru-RU">
-                    <a:noFill/>
-                  </a:rPr>
-                  <a:t> </a:t>
-                </a:r>
-              </a:p>
-            </p:txBody>
-          </p:sp>
-        </mc:Fallback>
-      </mc:AlternateContent>
       <p:pic>
         <p:nvPicPr>
           <p:cNvPr id="5" name="Рисунок 4">
@@ -7356,7 +5453,7 @@
           <p:nvPr/>
         </p:nvPicPr>
         <p:blipFill>
-          <a:blip r:embed="rId3">
+          <a:blip r:embed="rId2">
             <a:extLst>
               <a:ext uri="{28A0092B-C50C-407E-A947-70E740481C1C}">
                 <a14:useLocalDpi xmlns:a14="http://schemas.microsoft.com/office/drawing/2010/main" val="0"/>
@@ -7369,7 +5466,7 @@
         </p:blipFill>
         <p:spPr>
           <a:xfrm>
-            <a:off x="6096000" y="1375575"/>
+            <a:off x="2700793" y="1690688"/>
             <a:ext cx="5617052" cy="4266473"/>
           </a:xfrm>
           <a:prstGeom prst="rect">
